--- a/1_introduction/How autodiff changed the world.pptx
+++ b/1_introduction/How autodiff changed the world.pptx
@@ -5,20 +5,25 @@
     <p:sldMasterId id="2147483648" r:id="rId1"/>
   </p:sldMasterIdLst>
   <p:notesMasterIdLst>
-    <p:notesMasterId r:id="rId10"/>
+    <p:notesMasterId r:id="rId15"/>
   </p:notesMasterIdLst>
   <p:handoutMasterIdLst>
-    <p:handoutMasterId r:id="rId11"/>
+    <p:handoutMasterId r:id="rId16"/>
   </p:handoutMasterIdLst>
   <p:sldIdLst>
     <p:sldId id="256" r:id="rId2"/>
-    <p:sldId id="261" r:id="rId3"/>
-    <p:sldId id="257" r:id="rId4"/>
-    <p:sldId id="258" r:id="rId5"/>
-    <p:sldId id="259" r:id="rId6"/>
-    <p:sldId id="260" r:id="rId7"/>
-    <p:sldId id="263" r:id="rId8"/>
-    <p:sldId id="262" r:id="rId9"/>
+    <p:sldId id="266" r:id="rId3"/>
+    <p:sldId id="268" r:id="rId4"/>
+    <p:sldId id="264" r:id="rId5"/>
+    <p:sldId id="265" r:id="rId6"/>
+    <p:sldId id="267" r:id="rId7"/>
+    <p:sldId id="261" r:id="rId8"/>
+    <p:sldId id="257" r:id="rId9"/>
+    <p:sldId id="258" r:id="rId10"/>
+    <p:sldId id="259" r:id="rId11"/>
+    <p:sldId id="260" r:id="rId12"/>
+    <p:sldId id="263" r:id="rId13"/>
+    <p:sldId id="262" r:id="rId14"/>
   </p:sldIdLst>
   <p:sldSz cx="12192000" cy="6858000"/>
   <p:notesSz cx="6858000" cy="9144000"/>
@@ -222,7 +227,7 @@
           <a:p>
             <a:fld id="{D75CAE95-D2DD-4998-876A-092BFD628C65}" type="datetimeFigureOut">
               <a:rPr lang="da-DK" smtClean="0"/>
-              <a:t>07-04-2021</a:t>
+              <a:t>28-04-2021</a:t>
             </a:fld>
             <a:endParaRPr lang="da-DK"/>
           </a:p>
@@ -400,7 +405,7 @@
           <a:p>
             <a:fld id="{1DA8E099-58AA-4136-B409-1CAD1943D842}" type="datetimeFigureOut">
               <a:rPr lang="da-DK" smtClean="0"/>
-              <a:t>07-04-2021</a:t>
+              <a:t>28-04-2021</a:t>
             </a:fld>
             <a:endParaRPr lang="da-DK"/>
           </a:p>
@@ -818,7 +823,7 @@
           <a:p>
             <a:fld id="{C85334AD-9960-4065-BF34-86ED0345A76D}" type="datetime1">
               <a:rPr lang="en-US" smtClean="0"/>
-              <a:t>4/7/2021</a:t>
+              <a:t>4/28/2021</a:t>
             </a:fld>
             <a:endParaRPr lang="da-DK"/>
           </a:p>
@@ -1057,7 +1062,7 @@
           <a:p>
             <a:fld id="{C5669758-3775-48D7-A841-693E908C3BF4}" type="datetime1">
               <a:rPr lang="en-US" smtClean="0"/>
-              <a:t>4/7/2021</a:t>
+              <a:t>4/28/2021</a:t>
             </a:fld>
             <a:endParaRPr lang="da-DK"/>
           </a:p>
@@ -1270,7 +1275,7 @@
           <a:p>
             <a:fld id="{1E0C3FF1-EDBD-4F2A-8366-34A4E3728310}" type="datetime1">
               <a:rPr lang="en-US" smtClean="0"/>
-              <a:t>4/7/2021</a:t>
+              <a:t>4/28/2021</a:t>
             </a:fld>
             <a:endParaRPr lang="da-DK"/>
           </a:p>
@@ -1491,7 +1496,7 @@
           <a:p>
             <a:fld id="{019E29B9-5584-4737-9C98-1B926378C778}" type="datetime1">
               <a:rPr lang="en-US" smtClean="0"/>
-              <a:t>4/7/2021</a:t>
+              <a:t>4/28/2021</a:t>
             </a:fld>
             <a:endParaRPr lang="da-DK"/>
           </a:p>
@@ -1806,7 +1811,7 @@
           <a:p>
             <a:fld id="{FCE38F03-F67D-4508-A858-99FCD085087C}" type="datetime1">
               <a:rPr lang="en-US" smtClean="0"/>
-              <a:t>4/7/2021</a:t>
+              <a:t>4/28/2021</a:t>
             </a:fld>
             <a:endParaRPr lang="da-DK"/>
           </a:p>
@@ -2077,7 +2082,7 @@
           <a:p>
             <a:fld id="{B43F2930-3FFD-4F93-A4BD-4F0D1A0B4514}" type="datetime1">
               <a:rPr lang="en-US" smtClean="0"/>
-              <a:t>4/7/2021</a:t>
+              <a:t>4/28/2021</a:t>
             </a:fld>
             <a:endParaRPr lang="da-DK"/>
           </a:p>
@@ -2495,7 +2500,7 @@
           <a:p>
             <a:fld id="{8E0F9B9B-30CC-4693-8E0F-1A94A979E2C5}" type="datetime1">
               <a:rPr lang="en-US" smtClean="0"/>
-              <a:t>4/7/2021</a:t>
+              <a:t>4/28/2021</a:t>
             </a:fld>
             <a:endParaRPr lang="da-DK"/>
           </a:p>
@@ -2640,7 +2645,7 @@
           <a:p>
             <a:fld id="{6FE1433B-E6A7-44FF-8B55-539471B4D7C5}" type="datetime1">
               <a:rPr lang="en-US" smtClean="0"/>
-              <a:t>4/7/2021</a:t>
+              <a:t>4/28/2021</a:t>
             </a:fld>
             <a:endParaRPr lang="da-DK"/>
           </a:p>
@@ -2756,7 +2761,7 @@
           <a:p>
             <a:fld id="{624F4001-6A8C-42DA-824F-B5CC1375B861}" type="datetime1">
               <a:rPr lang="en-US" smtClean="0"/>
-              <a:t>4/7/2021</a:t>
+              <a:t>4/28/2021</a:t>
             </a:fld>
             <a:endParaRPr lang="da-DK"/>
           </a:p>
@@ -3072,7 +3077,7 @@
           <a:p>
             <a:fld id="{2D3BE137-2C5E-4078-8BA2-7D42D7E67218}" type="datetime1">
               <a:rPr lang="en-US" smtClean="0"/>
-              <a:t>4/7/2021</a:t>
+              <a:t>4/28/2021</a:t>
             </a:fld>
             <a:endParaRPr lang="da-DK"/>
           </a:p>
@@ -3364,7 +3369,7 @@
           <a:p>
             <a:fld id="{0D1436FF-56D3-4E93-92E8-71121EAB120E}" type="datetime1">
               <a:rPr lang="en-US" smtClean="0"/>
-              <a:t>4/7/2021</a:t>
+              <a:t>4/28/2021</a:t>
             </a:fld>
             <a:endParaRPr lang="da-DK"/>
           </a:p>
@@ -3610,7 +3615,7 @@
           <a:p>
             <a:fld id="{16601EF2-4BCA-4009-ACCF-B97F259DEF6F}" type="datetime1">
               <a:rPr lang="en-US" smtClean="0"/>
-              <a:t>4/7/2021</a:t>
+              <a:t>4/28/2021</a:t>
             </a:fld>
             <a:endParaRPr lang="da-DK"/>
           </a:p>
@@ -4133,6 +4138,1269 @@
 </p:sld>
 </file>
 
+<file path=ppt/slides/slide10.xml><?xml version="1.0" encoding="utf-8"?>
+<p:sld xmlns:a="http://schemas.openxmlformats.org/drawingml/2006/main" xmlns:r="http://schemas.openxmlformats.org/officeDocument/2006/relationships" xmlns:p="http://schemas.openxmlformats.org/presentationml/2006/main">
+  <p:cSld>
+    <p:spTree>
+      <p:nvGrpSpPr>
+        <p:cNvPr id="1" name=""/>
+        <p:cNvGrpSpPr/>
+        <p:nvPr/>
+      </p:nvGrpSpPr>
+      <p:grpSpPr>
+        <a:xfrm>
+          <a:off x="0" y="0"/>
+          <a:ext cx="0" cy="0"/>
+          <a:chOff x="0" y="0"/>
+          <a:chExt cx="0" cy="0"/>
+        </a:xfrm>
+      </p:grpSpPr>
+      <p:sp>
+        <p:nvSpPr>
+          <p:cNvPr id="2" name="Title 1">
+            <a:extLst>
+              <a:ext uri="{FF2B5EF4-FFF2-40B4-BE49-F238E27FC236}">
+                <a16:creationId xmlns:a16="http://schemas.microsoft.com/office/drawing/2014/main" id="{1EE4E3C0-9513-4612-BAEF-F687A80219EA}"/>
+              </a:ext>
+            </a:extLst>
+          </p:cNvPr>
+          <p:cNvSpPr>
+            <a:spLocks noGrp="1"/>
+          </p:cNvSpPr>
+          <p:nvPr>
+            <p:ph type="title"/>
+          </p:nvPr>
+        </p:nvSpPr>
+        <p:spPr/>
+        <p:txBody>
+          <a:bodyPr/>
+          <a:lstStyle/>
+          <a:p>
+            <a:r>
+              <a:rPr lang="da-DK" dirty="0"/>
+              <a:t>Why you should jump the weagon</a:t>
+            </a:r>
+          </a:p>
+        </p:txBody>
+      </p:sp>
+      <p:sp>
+        <p:nvSpPr>
+          <p:cNvPr id="3" name="Content Placeholder 2">
+            <a:extLst>
+              <a:ext uri="{FF2B5EF4-FFF2-40B4-BE49-F238E27FC236}">
+                <a16:creationId xmlns:a16="http://schemas.microsoft.com/office/drawing/2014/main" id="{1DB6029A-5B72-4920-B86B-74791CB04F99}"/>
+              </a:ext>
+            </a:extLst>
+          </p:cNvPr>
+          <p:cNvSpPr>
+            <a:spLocks noGrp="1"/>
+          </p:cNvSpPr>
+          <p:nvPr>
+            <p:ph idx="1"/>
+          </p:nvPr>
+        </p:nvSpPr>
+        <p:spPr/>
+        <p:txBody>
+          <a:bodyPr/>
+          <a:lstStyle/>
+          <a:p>
+            <a:pPr marL="0" indent="0">
+              <a:buNone/>
+            </a:pPr>
+            <a:r>
+              <a:rPr lang="en-US" dirty="0"/>
+              <a:t>“… the deep learning market is expected  to be worth USD 1,722.9 Million by 2022”</a:t>
+            </a:r>
+            <a:endParaRPr lang="da-DK" dirty="0"/>
+          </a:p>
+        </p:txBody>
+      </p:sp>
+      <p:sp>
+        <p:nvSpPr>
+          <p:cNvPr id="4" name="Date Placeholder 3">
+            <a:extLst>
+              <a:ext uri="{FF2B5EF4-FFF2-40B4-BE49-F238E27FC236}">
+                <a16:creationId xmlns:a16="http://schemas.microsoft.com/office/drawing/2014/main" id="{A7C40FB7-2CC1-45D0-9E13-E5D78F9DC23A}"/>
+              </a:ext>
+            </a:extLst>
+          </p:cNvPr>
+          <p:cNvSpPr>
+            <a:spLocks noGrp="1"/>
+          </p:cNvSpPr>
+          <p:nvPr>
+            <p:ph type="dt" sz="half" idx="10"/>
+          </p:nvPr>
+        </p:nvSpPr>
+        <p:spPr/>
+        <p:txBody>
+          <a:bodyPr/>
+          <a:lstStyle/>
+          <a:p>
+            <a:fld id="{019E29B9-5584-4737-9C98-1B926378C778}" type="datetime1">
+              <a:rPr lang="en-US" smtClean="0"/>
+              <a:t>4/28/2021</a:t>
+            </a:fld>
+            <a:endParaRPr lang="da-DK"/>
+          </a:p>
+        </p:txBody>
+      </p:sp>
+      <p:sp>
+        <p:nvSpPr>
+          <p:cNvPr id="5" name="Footer Placeholder 4">
+            <a:extLst>
+              <a:ext uri="{FF2B5EF4-FFF2-40B4-BE49-F238E27FC236}">
+                <a16:creationId xmlns:a16="http://schemas.microsoft.com/office/drawing/2014/main" id="{8D4D23E6-59F9-49C7-9332-F85A73080B10}"/>
+              </a:ext>
+            </a:extLst>
+          </p:cNvPr>
+          <p:cNvSpPr>
+            <a:spLocks noGrp="1"/>
+          </p:cNvSpPr>
+          <p:nvPr>
+            <p:ph type="ftr" sz="quarter" idx="11"/>
+          </p:nvPr>
+        </p:nvSpPr>
+        <p:spPr/>
+        <p:txBody>
+          <a:bodyPr/>
+          <a:lstStyle/>
+          <a:p>
+            <a:r>
+              <a:rPr lang="da-DK"/>
+              <a:t>Nicki Skafte Detlefsen</a:t>
+            </a:r>
+          </a:p>
+        </p:txBody>
+      </p:sp>
+      <p:sp>
+        <p:nvSpPr>
+          <p:cNvPr id="6" name="Slide Number Placeholder 5">
+            <a:extLst>
+              <a:ext uri="{FF2B5EF4-FFF2-40B4-BE49-F238E27FC236}">
+                <a16:creationId xmlns:a16="http://schemas.microsoft.com/office/drawing/2014/main" id="{8800601B-F420-4DA6-A221-D5E73066FCFD}"/>
+              </a:ext>
+            </a:extLst>
+          </p:cNvPr>
+          <p:cNvSpPr>
+            <a:spLocks noGrp="1"/>
+          </p:cNvSpPr>
+          <p:nvPr>
+            <p:ph type="sldNum" sz="quarter" idx="12"/>
+          </p:nvPr>
+        </p:nvSpPr>
+        <p:spPr/>
+        <p:txBody>
+          <a:bodyPr/>
+          <a:lstStyle/>
+          <a:p>
+            <a:fld id="{F6FEDE24-D50C-481B-A7B4-8AF13899101A}" type="slidenum">
+              <a:rPr lang="da-DK" smtClean="0"/>
+              <a:t>10</a:t>
+            </a:fld>
+            <a:endParaRPr lang="da-DK"/>
+          </a:p>
+        </p:txBody>
+      </p:sp>
+      <p:pic>
+        <p:nvPicPr>
+          <p:cNvPr id="8" name="Picture 7">
+            <a:extLst>
+              <a:ext uri="{FF2B5EF4-FFF2-40B4-BE49-F238E27FC236}">
+                <a16:creationId xmlns:a16="http://schemas.microsoft.com/office/drawing/2014/main" id="{2D847BFE-0636-4F2D-A2AF-D786777893AB}"/>
+              </a:ext>
+            </a:extLst>
+          </p:cNvPr>
+          <p:cNvPicPr>
+            <a:picLocks noChangeAspect="1"/>
+          </p:cNvPicPr>
+          <p:nvPr/>
+        </p:nvPicPr>
+        <p:blipFill>
+          <a:blip r:embed="rId2"/>
+          <a:stretch>
+            <a:fillRect/>
+          </a:stretch>
+        </p:blipFill>
+        <p:spPr>
+          <a:xfrm>
+            <a:off x="2654285" y="2234136"/>
+            <a:ext cx="7000875" cy="3648075"/>
+          </a:xfrm>
+          <a:prstGeom prst="rect">
+            <a:avLst/>
+          </a:prstGeom>
+        </p:spPr>
+      </p:pic>
+    </p:spTree>
+    <p:extLst>
+      <p:ext uri="{BB962C8B-B14F-4D97-AF65-F5344CB8AC3E}">
+        <p14:creationId xmlns:p14="http://schemas.microsoft.com/office/powerpoint/2010/main" val="2614854895"/>
+      </p:ext>
+    </p:extLst>
+  </p:cSld>
+  <p:clrMapOvr>
+    <a:masterClrMapping/>
+  </p:clrMapOvr>
+</p:sld>
+</file>
+
+<file path=ppt/slides/slide11.xml><?xml version="1.0" encoding="utf-8"?>
+<p:sld xmlns:a="http://schemas.openxmlformats.org/drawingml/2006/main" xmlns:r="http://schemas.openxmlformats.org/officeDocument/2006/relationships" xmlns:p="http://schemas.openxmlformats.org/presentationml/2006/main">
+  <p:cSld>
+    <p:spTree>
+      <p:nvGrpSpPr>
+        <p:cNvPr id="1" name=""/>
+        <p:cNvGrpSpPr/>
+        <p:nvPr/>
+      </p:nvGrpSpPr>
+      <p:grpSpPr>
+        <a:xfrm>
+          <a:off x="0" y="0"/>
+          <a:ext cx="0" cy="0"/>
+          <a:chOff x="0" y="0"/>
+          <a:chExt cx="0" cy="0"/>
+        </a:xfrm>
+      </p:grpSpPr>
+      <p:sp>
+        <p:nvSpPr>
+          <p:cNvPr id="2" name="Title 1">
+            <a:extLst>
+              <a:ext uri="{FF2B5EF4-FFF2-40B4-BE49-F238E27FC236}">
+                <a16:creationId xmlns:a16="http://schemas.microsoft.com/office/drawing/2014/main" id="{301795A4-297C-485D-BCB9-AC3115206278}"/>
+              </a:ext>
+            </a:extLst>
+          </p:cNvPr>
+          <p:cNvSpPr>
+            <a:spLocks noGrp="1"/>
+          </p:cNvSpPr>
+          <p:nvPr>
+            <p:ph type="title"/>
+          </p:nvPr>
+        </p:nvSpPr>
+        <p:spPr/>
+        <p:txBody>
+          <a:bodyPr/>
+          <a:lstStyle/>
+          <a:p>
+            <a:r>
+              <a:rPr lang="da-DK" dirty="0"/>
+              <a:t>The DL software landscape</a:t>
+            </a:r>
+          </a:p>
+        </p:txBody>
+      </p:sp>
+      <p:sp>
+        <p:nvSpPr>
+          <p:cNvPr id="3" name="Content Placeholder 2">
+            <a:extLst>
+              <a:ext uri="{FF2B5EF4-FFF2-40B4-BE49-F238E27FC236}">
+                <a16:creationId xmlns:a16="http://schemas.microsoft.com/office/drawing/2014/main" id="{F78455D9-15A8-4A40-B2AE-F8917747EC1F}"/>
+              </a:ext>
+            </a:extLst>
+          </p:cNvPr>
+          <p:cNvSpPr>
+            <a:spLocks noGrp="1"/>
+          </p:cNvSpPr>
+          <p:nvPr>
+            <p:ph idx="1"/>
+          </p:nvPr>
+        </p:nvSpPr>
+        <p:spPr/>
+        <p:txBody>
+          <a:bodyPr/>
+          <a:lstStyle/>
+          <a:p>
+            <a:pPr marL="0" indent="0">
+              <a:buNone/>
+            </a:pPr>
+            <a:endParaRPr lang="da-DK" dirty="0"/>
+          </a:p>
+          <a:p>
+            <a:pPr marL="0" indent="0">
+              <a:buNone/>
+            </a:pPr>
+            <a:endParaRPr lang="da-DK" dirty="0"/>
+          </a:p>
+          <a:p>
+            <a:pPr marL="0" indent="0">
+              <a:buNone/>
+            </a:pPr>
+            <a:endParaRPr lang="da-DK" dirty="0"/>
+          </a:p>
+          <a:p>
+            <a:pPr marL="0" indent="0">
+              <a:buNone/>
+            </a:pPr>
+            <a:endParaRPr lang="da-DK" dirty="0"/>
+          </a:p>
+          <a:p>
+            <a:pPr marL="0" indent="0">
+              <a:buNone/>
+            </a:pPr>
+            <a:endParaRPr lang="da-DK" dirty="0"/>
+          </a:p>
+          <a:p>
+            <a:pPr marL="0" indent="0">
+              <a:buNone/>
+            </a:pPr>
+            <a:r>
+              <a:rPr lang="da-DK" dirty="0"/>
+              <a:t>No point in discussion who is best. The (biased) facts are:</a:t>
+            </a:r>
+          </a:p>
+          <a:p>
+            <a:r>
+              <a:rPr lang="da-DK" dirty="0"/>
+              <a:t>Tensorflow are too a large extend used in production</a:t>
+            </a:r>
+          </a:p>
+          <a:p>
+            <a:r>
+              <a:rPr lang="da-DK" dirty="0"/>
+              <a:t>Pytorch is used in research</a:t>
+            </a:r>
+          </a:p>
+        </p:txBody>
+      </p:sp>
+      <p:sp>
+        <p:nvSpPr>
+          <p:cNvPr id="4" name="Date Placeholder 3">
+            <a:extLst>
+              <a:ext uri="{FF2B5EF4-FFF2-40B4-BE49-F238E27FC236}">
+                <a16:creationId xmlns:a16="http://schemas.microsoft.com/office/drawing/2014/main" id="{2974D1B7-0321-40DF-AF1C-5A1E63077A51}"/>
+              </a:ext>
+            </a:extLst>
+          </p:cNvPr>
+          <p:cNvSpPr>
+            <a:spLocks noGrp="1"/>
+          </p:cNvSpPr>
+          <p:nvPr>
+            <p:ph type="dt" sz="half" idx="10"/>
+          </p:nvPr>
+        </p:nvSpPr>
+        <p:spPr/>
+        <p:txBody>
+          <a:bodyPr/>
+          <a:lstStyle/>
+          <a:p>
+            <a:fld id="{019E29B9-5584-4737-9C98-1B926378C778}" type="datetime1">
+              <a:rPr lang="en-US" smtClean="0"/>
+              <a:t>4/28/2021</a:t>
+            </a:fld>
+            <a:endParaRPr lang="da-DK"/>
+          </a:p>
+        </p:txBody>
+      </p:sp>
+      <p:sp>
+        <p:nvSpPr>
+          <p:cNvPr id="5" name="Footer Placeholder 4">
+            <a:extLst>
+              <a:ext uri="{FF2B5EF4-FFF2-40B4-BE49-F238E27FC236}">
+                <a16:creationId xmlns:a16="http://schemas.microsoft.com/office/drawing/2014/main" id="{4305BE43-ABEA-48F8-911A-54D2FD760753}"/>
+              </a:ext>
+            </a:extLst>
+          </p:cNvPr>
+          <p:cNvSpPr>
+            <a:spLocks noGrp="1"/>
+          </p:cNvSpPr>
+          <p:nvPr>
+            <p:ph type="ftr" sz="quarter" idx="11"/>
+          </p:nvPr>
+        </p:nvSpPr>
+        <p:spPr/>
+        <p:txBody>
+          <a:bodyPr/>
+          <a:lstStyle/>
+          <a:p>
+            <a:r>
+              <a:rPr lang="da-DK"/>
+              <a:t>Nicki Skafte Detlefsen</a:t>
+            </a:r>
+          </a:p>
+        </p:txBody>
+      </p:sp>
+      <p:sp>
+        <p:nvSpPr>
+          <p:cNvPr id="6" name="Slide Number Placeholder 5">
+            <a:extLst>
+              <a:ext uri="{FF2B5EF4-FFF2-40B4-BE49-F238E27FC236}">
+                <a16:creationId xmlns:a16="http://schemas.microsoft.com/office/drawing/2014/main" id="{BF0F5E20-9EF4-4714-A060-B1F556270182}"/>
+              </a:ext>
+            </a:extLst>
+          </p:cNvPr>
+          <p:cNvSpPr>
+            <a:spLocks noGrp="1"/>
+          </p:cNvSpPr>
+          <p:nvPr>
+            <p:ph type="sldNum" sz="quarter" idx="12"/>
+          </p:nvPr>
+        </p:nvSpPr>
+        <p:spPr/>
+        <p:txBody>
+          <a:bodyPr/>
+          <a:lstStyle/>
+          <a:p>
+            <a:fld id="{F6FEDE24-D50C-481B-A7B4-8AF13899101A}" type="slidenum">
+              <a:rPr lang="da-DK" smtClean="0"/>
+              <a:t>11</a:t>
+            </a:fld>
+            <a:endParaRPr lang="da-DK"/>
+          </a:p>
+        </p:txBody>
+      </p:sp>
+      <p:pic>
+        <p:nvPicPr>
+          <p:cNvPr id="7" name="Picture 4" descr="TensorFlow">
+            <a:extLst>
+              <a:ext uri="{FF2B5EF4-FFF2-40B4-BE49-F238E27FC236}">
+                <a16:creationId xmlns:a16="http://schemas.microsoft.com/office/drawing/2014/main" id="{D2CCE73B-D45C-4D87-8AFB-3584F025D283}"/>
+              </a:ext>
+            </a:extLst>
+          </p:cNvPr>
+          <p:cNvPicPr>
+            <a:picLocks noChangeAspect="1" noChangeArrowheads="1"/>
+          </p:cNvPicPr>
+          <p:nvPr/>
+        </p:nvPicPr>
+        <p:blipFill>
+          <a:blip r:embed="rId2">
+            <a:extLst>
+              <a:ext uri="{28A0092B-C50C-407E-A947-70E740481C1C}">
+                <a14:useLocalDpi xmlns:a14="http://schemas.microsoft.com/office/drawing/2010/main" val="0"/>
+              </a:ext>
+            </a:extLst>
+          </a:blip>
+          <a:srcRect/>
+          <a:stretch>
+            <a:fillRect/>
+          </a:stretch>
+        </p:blipFill>
+        <p:spPr bwMode="auto">
+          <a:xfrm>
+            <a:off x="1590675" y="2169150"/>
+            <a:ext cx="2857500" cy="1600200"/>
+          </a:xfrm>
+          <a:prstGeom prst="rect">
+            <a:avLst/>
+          </a:prstGeom>
+          <a:noFill/>
+          <a:extLst>
+            <a:ext uri="{909E8E84-426E-40DD-AFC4-6F175D3DCCD1}">
+              <a14:hiddenFill xmlns:a14="http://schemas.microsoft.com/office/drawing/2010/main">
+                <a:solidFill>
+                  <a:srgbClr val="FFFFFF"/>
+                </a:solidFill>
+              </a14:hiddenFill>
+            </a:ext>
+          </a:extLst>
+        </p:spPr>
+      </p:pic>
+      <p:pic>
+        <p:nvPicPr>
+          <p:cNvPr id="8" name="Picture 6" descr="Google">
+            <a:extLst>
+              <a:ext uri="{FF2B5EF4-FFF2-40B4-BE49-F238E27FC236}">
+                <a16:creationId xmlns:a16="http://schemas.microsoft.com/office/drawing/2014/main" id="{3F1A20E6-D5A4-4B5F-B7B1-D3A632D51848}"/>
+              </a:ext>
+            </a:extLst>
+          </p:cNvPr>
+          <p:cNvPicPr>
+            <a:picLocks noChangeAspect="1" noChangeArrowheads="1"/>
+          </p:cNvPicPr>
+          <p:nvPr/>
+        </p:nvPicPr>
+        <p:blipFill>
+          <a:blip r:embed="rId3">
+            <a:extLst>
+              <a:ext uri="{28A0092B-C50C-407E-A947-70E740481C1C}">
+                <a14:useLocalDpi xmlns:a14="http://schemas.microsoft.com/office/drawing/2010/main" val="0"/>
+              </a:ext>
+            </a:extLst>
+          </a:blip>
+          <a:srcRect/>
+          <a:stretch>
+            <a:fillRect/>
+          </a:stretch>
+        </p:blipFill>
+        <p:spPr bwMode="auto">
+          <a:xfrm>
+            <a:off x="1590675" y="1145213"/>
+            <a:ext cx="3048000" cy="1066800"/>
+          </a:xfrm>
+          <a:prstGeom prst="rect">
+            <a:avLst/>
+          </a:prstGeom>
+          <a:noFill/>
+          <a:extLst>
+            <a:ext uri="{909E8E84-426E-40DD-AFC4-6F175D3DCCD1}">
+              <a14:hiddenFill xmlns:a14="http://schemas.microsoft.com/office/drawing/2010/main">
+                <a:solidFill>
+                  <a:srgbClr val="FFFFFF"/>
+                </a:solidFill>
+              </a14:hiddenFill>
+            </a:ext>
+          </a:extLst>
+        </p:spPr>
+      </p:pic>
+      <p:pic>
+        <p:nvPicPr>
+          <p:cNvPr id="9" name="Picture 8" descr="Facebook - Wikipedia, den frie encyklopædi">
+            <a:extLst>
+              <a:ext uri="{FF2B5EF4-FFF2-40B4-BE49-F238E27FC236}">
+                <a16:creationId xmlns:a16="http://schemas.microsoft.com/office/drawing/2014/main" id="{7962CBE2-7EBD-480E-87A9-B60A77EA3CA1}"/>
+              </a:ext>
+            </a:extLst>
+          </p:cNvPr>
+          <p:cNvPicPr>
+            <a:picLocks noChangeAspect="1" noChangeArrowheads="1"/>
+          </p:cNvPicPr>
+          <p:nvPr/>
+        </p:nvPicPr>
+        <p:blipFill>
+          <a:blip r:embed="rId4">
+            <a:extLst>
+              <a:ext uri="{28A0092B-C50C-407E-A947-70E740481C1C}">
+                <a14:useLocalDpi xmlns:a14="http://schemas.microsoft.com/office/drawing/2010/main" val="0"/>
+              </a:ext>
+            </a:extLst>
+          </a:blip>
+          <a:srcRect/>
+          <a:stretch>
+            <a:fillRect/>
+          </a:stretch>
+        </p:blipFill>
+        <p:spPr bwMode="auto">
+          <a:xfrm>
+            <a:off x="6953250" y="873751"/>
+            <a:ext cx="3486150" cy="1314450"/>
+          </a:xfrm>
+          <a:prstGeom prst="rect">
+            <a:avLst/>
+          </a:prstGeom>
+          <a:noFill/>
+          <a:extLst>
+            <a:ext uri="{909E8E84-426E-40DD-AFC4-6F175D3DCCD1}">
+              <a14:hiddenFill xmlns:a14="http://schemas.microsoft.com/office/drawing/2010/main">
+                <a:solidFill>
+                  <a:srgbClr val="FFFFFF"/>
+                </a:solidFill>
+              </a14:hiddenFill>
+            </a:ext>
+          </a:extLst>
+        </p:spPr>
+      </p:pic>
+      <p:pic>
+        <p:nvPicPr>
+          <p:cNvPr id="10" name="Picture 2" descr="Reasons to Choose PyTorch for Deep Learning | by Claire D. Costa | Towards  Data Science">
+            <a:extLst>
+              <a:ext uri="{FF2B5EF4-FFF2-40B4-BE49-F238E27FC236}">
+                <a16:creationId xmlns:a16="http://schemas.microsoft.com/office/drawing/2014/main" id="{D12D1F04-484A-4130-84BC-B345AF6FA43D}"/>
+              </a:ext>
+            </a:extLst>
+          </p:cNvPr>
+          <p:cNvPicPr>
+            <a:picLocks noChangeAspect="1" noChangeArrowheads="1"/>
+          </p:cNvPicPr>
+          <p:nvPr/>
+        </p:nvPicPr>
+        <p:blipFill>
+          <a:blip r:embed="rId5">
+            <a:extLst>
+              <a:ext uri="{28A0092B-C50C-407E-A947-70E740481C1C}">
+                <a14:useLocalDpi xmlns:a14="http://schemas.microsoft.com/office/drawing/2010/main" val="0"/>
+              </a:ext>
+            </a:extLst>
+          </a:blip>
+          <a:srcRect/>
+          <a:stretch>
+            <a:fillRect/>
+          </a:stretch>
+        </p:blipFill>
+        <p:spPr bwMode="auto">
+          <a:xfrm>
+            <a:off x="7096125" y="2386596"/>
+            <a:ext cx="3028950" cy="1514475"/>
+          </a:xfrm>
+          <a:prstGeom prst="rect">
+            <a:avLst/>
+          </a:prstGeom>
+          <a:noFill/>
+          <a:extLst>
+            <a:ext uri="{909E8E84-426E-40DD-AFC4-6F175D3DCCD1}">
+              <a14:hiddenFill xmlns:a14="http://schemas.microsoft.com/office/drawing/2010/main">
+                <a:solidFill>
+                  <a:srgbClr val="FFFFFF"/>
+                </a:solidFill>
+              </a14:hiddenFill>
+            </a:ext>
+          </a:extLst>
+        </p:spPr>
+      </p:pic>
+      <p:sp>
+        <p:nvSpPr>
+          <p:cNvPr id="11" name="Rectangle 10">
+            <a:extLst>
+              <a:ext uri="{FF2B5EF4-FFF2-40B4-BE49-F238E27FC236}">
+                <a16:creationId xmlns:a16="http://schemas.microsoft.com/office/drawing/2014/main" id="{3652F33D-7935-4615-B916-14D56905DC5C}"/>
+              </a:ext>
+            </a:extLst>
+          </p:cNvPr>
+          <p:cNvSpPr/>
+          <p:nvPr/>
+        </p:nvSpPr>
+        <p:spPr>
+          <a:xfrm>
+            <a:off x="6786694" y="713064"/>
+            <a:ext cx="3814631" cy="2961314"/>
+          </a:xfrm>
+          <a:prstGeom prst="rect">
+            <a:avLst/>
+          </a:prstGeom>
+          <a:noFill/>
+          <a:ln w="38100">
+            <a:solidFill>
+              <a:srgbClr val="FF0000"/>
+            </a:solidFill>
+          </a:ln>
+        </p:spPr>
+        <p:style>
+          <a:lnRef idx="2">
+            <a:schemeClr val="accent1">
+              <a:shade val="50000"/>
+            </a:schemeClr>
+          </a:lnRef>
+          <a:fillRef idx="1">
+            <a:schemeClr val="accent1"/>
+          </a:fillRef>
+          <a:effectRef idx="0">
+            <a:schemeClr val="accent1"/>
+          </a:effectRef>
+          <a:fontRef idx="minor">
+            <a:schemeClr val="lt1"/>
+          </a:fontRef>
+        </p:style>
+        <p:txBody>
+          <a:bodyPr rtlCol="0" anchor="ctr"/>
+          <a:lstStyle/>
+          <a:p>
+            <a:pPr algn="ctr"/>
+            <a:endParaRPr lang="da-DK"/>
+          </a:p>
+        </p:txBody>
+      </p:sp>
+    </p:spTree>
+    <p:extLst>
+      <p:ext uri="{BB962C8B-B14F-4D97-AF65-F5344CB8AC3E}">
+        <p14:creationId xmlns:p14="http://schemas.microsoft.com/office/powerpoint/2010/main" val="439255739"/>
+      </p:ext>
+    </p:extLst>
+  </p:cSld>
+  <p:clrMapOvr>
+    <a:masterClrMapping/>
+  </p:clrMapOvr>
+</p:sld>
+</file>
+
+<file path=ppt/slides/slide12.xml><?xml version="1.0" encoding="utf-8"?>
+<p:sld xmlns:a="http://schemas.openxmlformats.org/drawingml/2006/main" xmlns:r="http://schemas.openxmlformats.org/officeDocument/2006/relationships" xmlns:p="http://schemas.openxmlformats.org/presentationml/2006/main">
+  <p:cSld>
+    <p:spTree>
+      <p:nvGrpSpPr>
+        <p:cNvPr id="1" name=""/>
+        <p:cNvGrpSpPr/>
+        <p:nvPr/>
+      </p:nvGrpSpPr>
+      <p:grpSpPr>
+        <a:xfrm>
+          <a:off x="0" y="0"/>
+          <a:ext cx="0" cy="0"/>
+          <a:chOff x="0" y="0"/>
+          <a:chExt cx="0" cy="0"/>
+        </a:xfrm>
+      </p:grpSpPr>
+      <p:sp>
+        <p:nvSpPr>
+          <p:cNvPr id="2" name="Title 1">
+            <a:extLst>
+              <a:ext uri="{FF2B5EF4-FFF2-40B4-BE49-F238E27FC236}">
+                <a16:creationId xmlns:a16="http://schemas.microsoft.com/office/drawing/2014/main" id="{3B196954-D4EE-488B-B250-B4A352C7A845}"/>
+              </a:ext>
+            </a:extLst>
+          </p:cNvPr>
+          <p:cNvSpPr>
+            <a:spLocks noGrp="1"/>
+          </p:cNvSpPr>
+          <p:nvPr>
+            <p:ph type="title"/>
+          </p:nvPr>
+        </p:nvSpPr>
+        <p:spPr>
+          <a:xfrm>
+            <a:off x="838200" y="-44580"/>
+            <a:ext cx="10515600" cy="1325563"/>
+          </a:xfrm>
+        </p:spPr>
+        <p:txBody>
+          <a:bodyPr/>
+          <a:lstStyle/>
+          <a:p>
+            <a:r>
+              <a:rPr lang="da-DK" dirty="0"/>
+              <a:t>How to make a modern deep learning framework</a:t>
+            </a:r>
+          </a:p>
+        </p:txBody>
+      </p:sp>
+      <p:sp>
+        <p:nvSpPr>
+          <p:cNvPr id="3" name="Content Placeholder 2">
+            <a:extLst>
+              <a:ext uri="{FF2B5EF4-FFF2-40B4-BE49-F238E27FC236}">
+                <a16:creationId xmlns:a16="http://schemas.microsoft.com/office/drawing/2014/main" id="{67BAF2C6-3100-47AD-AFBC-101D716A7503}"/>
+              </a:ext>
+            </a:extLst>
+          </p:cNvPr>
+          <p:cNvSpPr>
+            <a:spLocks noGrp="1"/>
+          </p:cNvSpPr>
+          <p:nvPr>
+            <p:ph idx="1"/>
+          </p:nvPr>
+        </p:nvSpPr>
+        <p:spPr/>
+        <p:txBody>
+          <a:bodyPr/>
+          <a:lstStyle/>
+          <a:p>
+            <a:endParaRPr lang="da-DK"/>
+          </a:p>
+        </p:txBody>
+      </p:sp>
+      <p:sp>
+        <p:nvSpPr>
+          <p:cNvPr id="4" name="Date Placeholder 3">
+            <a:extLst>
+              <a:ext uri="{FF2B5EF4-FFF2-40B4-BE49-F238E27FC236}">
+                <a16:creationId xmlns:a16="http://schemas.microsoft.com/office/drawing/2014/main" id="{3C082D71-621F-4D79-8A34-878DFF70AC94}"/>
+              </a:ext>
+            </a:extLst>
+          </p:cNvPr>
+          <p:cNvSpPr>
+            <a:spLocks noGrp="1"/>
+          </p:cNvSpPr>
+          <p:nvPr>
+            <p:ph type="dt" sz="half" idx="10"/>
+          </p:nvPr>
+        </p:nvSpPr>
+        <p:spPr/>
+        <p:txBody>
+          <a:bodyPr/>
+          <a:lstStyle/>
+          <a:p>
+            <a:fld id="{019E29B9-5584-4737-9C98-1B926378C778}" type="datetime1">
+              <a:rPr lang="en-US" smtClean="0"/>
+              <a:t>4/28/2021</a:t>
+            </a:fld>
+            <a:endParaRPr lang="da-DK"/>
+          </a:p>
+        </p:txBody>
+      </p:sp>
+      <p:sp>
+        <p:nvSpPr>
+          <p:cNvPr id="5" name="Footer Placeholder 4">
+            <a:extLst>
+              <a:ext uri="{FF2B5EF4-FFF2-40B4-BE49-F238E27FC236}">
+                <a16:creationId xmlns:a16="http://schemas.microsoft.com/office/drawing/2014/main" id="{EC3AB0CB-DB29-408A-A980-2902500B31EF}"/>
+              </a:ext>
+            </a:extLst>
+          </p:cNvPr>
+          <p:cNvSpPr>
+            <a:spLocks noGrp="1"/>
+          </p:cNvSpPr>
+          <p:nvPr>
+            <p:ph type="ftr" sz="quarter" idx="11"/>
+          </p:nvPr>
+        </p:nvSpPr>
+        <p:spPr/>
+        <p:txBody>
+          <a:bodyPr/>
+          <a:lstStyle/>
+          <a:p>
+            <a:r>
+              <a:rPr lang="da-DK"/>
+              <a:t>Nicki Skafte Detlefsen</a:t>
+            </a:r>
+          </a:p>
+        </p:txBody>
+      </p:sp>
+      <p:sp>
+        <p:nvSpPr>
+          <p:cNvPr id="6" name="Slide Number Placeholder 5">
+            <a:extLst>
+              <a:ext uri="{FF2B5EF4-FFF2-40B4-BE49-F238E27FC236}">
+                <a16:creationId xmlns:a16="http://schemas.microsoft.com/office/drawing/2014/main" id="{05290D20-0CAA-4245-879F-66A38F0100B4}"/>
+              </a:ext>
+            </a:extLst>
+          </p:cNvPr>
+          <p:cNvSpPr>
+            <a:spLocks noGrp="1"/>
+          </p:cNvSpPr>
+          <p:nvPr>
+            <p:ph type="sldNum" sz="quarter" idx="12"/>
+          </p:nvPr>
+        </p:nvSpPr>
+        <p:spPr/>
+        <p:txBody>
+          <a:bodyPr/>
+          <a:lstStyle/>
+          <a:p>
+            <a:fld id="{F6FEDE24-D50C-481B-A7B4-8AF13899101A}" type="slidenum">
+              <a:rPr lang="da-DK" smtClean="0"/>
+              <a:t>12</a:t>
+            </a:fld>
+            <a:endParaRPr lang="da-DK"/>
+          </a:p>
+        </p:txBody>
+      </p:sp>
+      <p:sp>
+        <p:nvSpPr>
+          <p:cNvPr id="8" name="Oval 7">
+            <a:extLst>
+              <a:ext uri="{FF2B5EF4-FFF2-40B4-BE49-F238E27FC236}">
+                <a16:creationId xmlns:a16="http://schemas.microsoft.com/office/drawing/2014/main" id="{9079CECD-657D-4CD2-A48D-792D57A2AA81}"/>
+              </a:ext>
+            </a:extLst>
+          </p:cNvPr>
+          <p:cNvSpPr/>
+          <p:nvPr/>
+        </p:nvSpPr>
+        <p:spPr>
+          <a:xfrm>
+            <a:off x="2757733" y="2759807"/>
+            <a:ext cx="1800000" cy="1800000"/>
+          </a:xfrm>
+          <a:prstGeom prst="ellipse">
+            <a:avLst/>
+          </a:prstGeom>
+        </p:spPr>
+        <p:style>
+          <a:lnRef idx="2">
+            <a:schemeClr val="accent1">
+              <a:shade val="50000"/>
+            </a:schemeClr>
+          </a:lnRef>
+          <a:fillRef idx="1">
+            <a:schemeClr val="accent1"/>
+          </a:fillRef>
+          <a:effectRef idx="0">
+            <a:schemeClr val="accent1"/>
+          </a:effectRef>
+          <a:fontRef idx="minor">
+            <a:schemeClr val="lt1"/>
+          </a:fontRef>
+        </p:style>
+        <p:txBody>
+          <a:bodyPr rtlCol="0" anchor="ctr"/>
+          <a:lstStyle/>
+          <a:p>
+            <a:pPr algn="ctr"/>
+            <a:r>
+              <a:rPr lang="da-DK" dirty="0"/>
+              <a:t>Tensors</a:t>
+            </a:r>
+          </a:p>
+        </p:txBody>
+      </p:sp>
+      <p:sp>
+        <p:nvSpPr>
+          <p:cNvPr id="9" name="Oval 8">
+            <a:extLst>
+              <a:ext uri="{FF2B5EF4-FFF2-40B4-BE49-F238E27FC236}">
+                <a16:creationId xmlns:a16="http://schemas.microsoft.com/office/drawing/2014/main" id="{AB420AE8-4276-4DF0-AA32-8B6D46408DEA}"/>
+              </a:ext>
+            </a:extLst>
+          </p:cNvPr>
+          <p:cNvSpPr/>
+          <p:nvPr/>
+        </p:nvSpPr>
+        <p:spPr>
+          <a:xfrm>
+            <a:off x="4970197" y="2759807"/>
+            <a:ext cx="1800000" cy="1800000"/>
+          </a:xfrm>
+          <a:prstGeom prst="ellipse">
+            <a:avLst/>
+          </a:prstGeom>
+        </p:spPr>
+        <p:style>
+          <a:lnRef idx="2">
+            <a:schemeClr val="accent1">
+              <a:shade val="50000"/>
+            </a:schemeClr>
+          </a:lnRef>
+          <a:fillRef idx="1">
+            <a:schemeClr val="accent1"/>
+          </a:fillRef>
+          <a:effectRef idx="0">
+            <a:schemeClr val="accent1"/>
+          </a:effectRef>
+          <a:fontRef idx="minor">
+            <a:schemeClr val="lt1"/>
+          </a:fontRef>
+        </p:style>
+        <p:txBody>
+          <a:bodyPr rtlCol="0" anchor="ctr"/>
+          <a:lstStyle/>
+          <a:p>
+            <a:pPr algn="ctr"/>
+            <a:r>
+              <a:rPr lang="da-DK" dirty="0"/>
+              <a:t>Hardware acceleration</a:t>
+            </a:r>
+          </a:p>
+        </p:txBody>
+      </p:sp>
+      <p:sp>
+        <p:nvSpPr>
+          <p:cNvPr id="10" name="Oval 9">
+            <a:extLst>
+              <a:ext uri="{FF2B5EF4-FFF2-40B4-BE49-F238E27FC236}">
+                <a16:creationId xmlns:a16="http://schemas.microsoft.com/office/drawing/2014/main" id="{928F16EF-A68D-4ECA-94B2-28ACA2C52F94}"/>
+              </a:ext>
+            </a:extLst>
+          </p:cNvPr>
+          <p:cNvSpPr/>
+          <p:nvPr/>
+        </p:nvSpPr>
+        <p:spPr>
+          <a:xfrm>
+            <a:off x="7253400" y="2759807"/>
+            <a:ext cx="1800000" cy="1800000"/>
+          </a:xfrm>
+          <a:prstGeom prst="ellipse">
+            <a:avLst/>
+          </a:prstGeom>
+        </p:spPr>
+        <p:style>
+          <a:lnRef idx="2">
+            <a:schemeClr val="accent1">
+              <a:shade val="50000"/>
+            </a:schemeClr>
+          </a:lnRef>
+          <a:fillRef idx="1">
+            <a:schemeClr val="accent1"/>
+          </a:fillRef>
+          <a:effectRef idx="0">
+            <a:schemeClr val="accent1"/>
+          </a:effectRef>
+          <a:fontRef idx="minor">
+            <a:schemeClr val="lt1"/>
+          </a:fontRef>
+        </p:style>
+        <p:txBody>
+          <a:bodyPr rtlCol="0" anchor="ctr"/>
+          <a:lstStyle/>
+          <a:p>
+            <a:pPr algn="ctr"/>
+            <a:r>
+              <a:rPr lang="da-DK" dirty="0"/>
+              <a:t>Automatic differentation</a:t>
+            </a:r>
+          </a:p>
+        </p:txBody>
+      </p:sp>
+      <p:sp>
+        <p:nvSpPr>
+          <p:cNvPr id="11" name="TextBox 10">
+            <a:extLst>
+              <a:ext uri="{FF2B5EF4-FFF2-40B4-BE49-F238E27FC236}">
+                <a16:creationId xmlns:a16="http://schemas.microsoft.com/office/drawing/2014/main" id="{D5F6B155-ED5D-4394-A1EF-68CC8DF974B4}"/>
+              </a:ext>
+            </a:extLst>
+          </p:cNvPr>
+          <p:cNvSpPr txBox="1"/>
+          <p:nvPr/>
+        </p:nvSpPr>
+        <p:spPr>
+          <a:xfrm>
+            <a:off x="3034713" y="4685056"/>
+            <a:ext cx="1426128" cy="923330"/>
+          </a:xfrm>
+          <a:prstGeom prst="rect">
+            <a:avLst/>
+          </a:prstGeom>
+          <a:noFill/>
+        </p:spPr>
+        <p:txBody>
+          <a:bodyPr wrap="square" rtlCol="0">
+            <a:spAutoFit/>
+          </a:bodyPr>
+          <a:lstStyle/>
+          <a:p>
+            <a:r>
+              <a:rPr lang="da-DK" dirty="0"/>
+              <a:t>Abstraction to higher order data</a:t>
+            </a:r>
+          </a:p>
+        </p:txBody>
+      </p:sp>
+      <p:sp>
+        <p:nvSpPr>
+          <p:cNvPr id="12" name="TextBox 11">
+            <a:extLst>
+              <a:ext uri="{FF2B5EF4-FFF2-40B4-BE49-F238E27FC236}">
+                <a16:creationId xmlns:a16="http://schemas.microsoft.com/office/drawing/2014/main" id="{E8EAEA57-6185-4970-A384-2C70F55586B1}"/>
+              </a:ext>
+            </a:extLst>
+          </p:cNvPr>
+          <p:cNvSpPr txBox="1"/>
+          <p:nvPr/>
+        </p:nvSpPr>
+        <p:spPr>
+          <a:xfrm>
+            <a:off x="5344069" y="4685056"/>
+            <a:ext cx="1426128" cy="923330"/>
+          </a:xfrm>
+          <a:prstGeom prst="rect">
+            <a:avLst/>
+          </a:prstGeom>
+          <a:noFill/>
+        </p:spPr>
+        <p:txBody>
+          <a:bodyPr wrap="square" rtlCol="0">
+            <a:spAutoFit/>
+          </a:bodyPr>
+          <a:lstStyle/>
+          <a:p>
+            <a:r>
+              <a:rPr lang="da-DK" dirty="0"/>
+              <a:t>Faster computations</a:t>
+            </a:r>
+          </a:p>
+        </p:txBody>
+      </p:sp>
+      <p:sp>
+        <p:nvSpPr>
+          <p:cNvPr id="13" name="TextBox 12">
+            <a:extLst>
+              <a:ext uri="{FF2B5EF4-FFF2-40B4-BE49-F238E27FC236}">
+                <a16:creationId xmlns:a16="http://schemas.microsoft.com/office/drawing/2014/main" id="{30832BCE-C61E-4C30-A8C3-50CCB30FB5D4}"/>
+              </a:ext>
+            </a:extLst>
+          </p:cNvPr>
+          <p:cNvSpPr txBox="1"/>
+          <p:nvPr/>
+        </p:nvSpPr>
+        <p:spPr>
+          <a:xfrm>
+            <a:off x="7627272" y="4685056"/>
+            <a:ext cx="1426128" cy="369332"/>
+          </a:xfrm>
+          <a:prstGeom prst="rect">
+            <a:avLst/>
+          </a:prstGeom>
+          <a:noFill/>
+        </p:spPr>
+        <p:txBody>
+          <a:bodyPr wrap="square" rtlCol="0">
+            <a:spAutoFit/>
+          </a:bodyPr>
+          <a:lstStyle/>
+          <a:p>
+            <a:r>
+              <a:rPr lang="da-DK" dirty="0"/>
+              <a:t>Ease of use</a:t>
+            </a:r>
+          </a:p>
+        </p:txBody>
+      </p:sp>
+    </p:spTree>
+    <p:extLst>
+      <p:ext uri="{BB962C8B-B14F-4D97-AF65-F5344CB8AC3E}">
+        <p14:creationId xmlns:p14="http://schemas.microsoft.com/office/powerpoint/2010/main" val="411016925"/>
+      </p:ext>
+    </p:extLst>
+  </p:cSld>
+  <p:clrMapOvr>
+    <a:masterClrMapping/>
+  </p:clrMapOvr>
+</p:sld>
+</file>
+
+<file path=ppt/slides/slide13.xml><?xml version="1.0" encoding="utf-8"?>
+<p:sld xmlns:a="http://schemas.openxmlformats.org/drawingml/2006/main" xmlns:r="http://schemas.openxmlformats.org/officeDocument/2006/relationships" xmlns:p="http://schemas.openxmlformats.org/presentationml/2006/main">
+  <p:cSld>
+    <p:spTree>
+      <p:nvGrpSpPr>
+        <p:cNvPr id="1" name=""/>
+        <p:cNvGrpSpPr/>
+        <p:nvPr/>
+      </p:nvGrpSpPr>
+      <p:grpSpPr>
+        <a:xfrm>
+          <a:off x="0" y="0"/>
+          <a:ext cx="0" cy="0"/>
+          <a:chOff x="0" y="0"/>
+          <a:chExt cx="0" cy="0"/>
+        </a:xfrm>
+      </p:grpSpPr>
+      <p:sp>
+        <p:nvSpPr>
+          <p:cNvPr id="2" name="Title 1">
+            <a:extLst>
+              <a:ext uri="{FF2B5EF4-FFF2-40B4-BE49-F238E27FC236}">
+                <a16:creationId xmlns:a16="http://schemas.microsoft.com/office/drawing/2014/main" id="{E6807CFB-04BE-43AB-B950-303DCBE4B926}"/>
+              </a:ext>
+            </a:extLst>
+          </p:cNvPr>
+          <p:cNvSpPr>
+            <a:spLocks noGrp="1"/>
+          </p:cNvSpPr>
+          <p:nvPr>
+            <p:ph type="title"/>
+          </p:nvPr>
+        </p:nvSpPr>
+        <p:spPr/>
+        <p:txBody>
+          <a:bodyPr/>
+          <a:lstStyle/>
+          <a:p>
+            <a:r>
+              <a:rPr lang="da-DK" dirty="0"/>
+              <a:t>Meme of the day</a:t>
+            </a:r>
+          </a:p>
+        </p:txBody>
+      </p:sp>
+      <p:sp>
+        <p:nvSpPr>
+          <p:cNvPr id="4" name="Date Placeholder 3">
+            <a:extLst>
+              <a:ext uri="{FF2B5EF4-FFF2-40B4-BE49-F238E27FC236}">
+                <a16:creationId xmlns:a16="http://schemas.microsoft.com/office/drawing/2014/main" id="{06BBBB3D-7152-4915-9678-39322E5CE246}"/>
+              </a:ext>
+            </a:extLst>
+          </p:cNvPr>
+          <p:cNvSpPr>
+            <a:spLocks noGrp="1"/>
+          </p:cNvSpPr>
+          <p:nvPr>
+            <p:ph type="dt" sz="half" idx="10"/>
+          </p:nvPr>
+        </p:nvSpPr>
+        <p:spPr/>
+        <p:txBody>
+          <a:bodyPr/>
+          <a:lstStyle/>
+          <a:p>
+            <a:fld id="{019E29B9-5584-4737-9C98-1B926378C778}" type="datetime1">
+              <a:rPr lang="en-US" smtClean="0"/>
+              <a:t>4/28/2021</a:t>
+            </a:fld>
+            <a:endParaRPr lang="da-DK"/>
+          </a:p>
+        </p:txBody>
+      </p:sp>
+      <p:sp>
+        <p:nvSpPr>
+          <p:cNvPr id="5" name="Footer Placeholder 4">
+            <a:extLst>
+              <a:ext uri="{FF2B5EF4-FFF2-40B4-BE49-F238E27FC236}">
+                <a16:creationId xmlns:a16="http://schemas.microsoft.com/office/drawing/2014/main" id="{2191107E-5C57-432C-94A1-7E7659056F7D}"/>
+              </a:ext>
+            </a:extLst>
+          </p:cNvPr>
+          <p:cNvSpPr>
+            <a:spLocks noGrp="1"/>
+          </p:cNvSpPr>
+          <p:nvPr>
+            <p:ph type="ftr" sz="quarter" idx="11"/>
+          </p:nvPr>
+        </p:nvSpPr>
+        <p:spPr/>
+        <p:txBody>
+          <a:bodyPr/>
+          <a:lstStyle/>
+          <a:p>
+            <a:r>
+              <a:rPr lang="da-DK"/>
+              <a:t>Nicki Skafte Detlefsen</a:t>
+            </a:r>
+          </a:p>
+        </p:txBody>
+      </p:sp>
+      <p:sp>
+        <p:nvSpPr>
+          <p:cNvPr id="6" name="Slide Number Placeholder 5">
+            <a:extLst>
+              <a:ext uri="{FF2B5EF4-FFF2-40B4-BE49-F238E27FC236}">
+                <a16:creationId xmlns:a16="http://schemas.microsoft.com/office/drawing/2014/main" id="{566C5839-2F07-4488-9415-1B25BC34E3CE}"/>
+              </a:ext>
+            </a:extLst>
+          </p:cNvPr>
+          <p:cNvSpPr>
+            <a:spLocks noGrp="1"/>
+          </p:cNvSpPr>
+          <p:nvPr>
+            <p:ph type="sldNum" sz="quarter" idx="12"/>
+          </p:nvPr>
+        </p:nvSpPr>
+        <p:spPr/>
+        <p:txBody>
+          <a:bodyPr/>
+          <a:lstStyle/>
+          <a:p>
+            <a:fld id="{F6FEDE24-D50C-481B-A7B4-8AF13899101A}" type="slidenum">
+              <a:rPr lang="da-DK" smtClean="0"/>
+              <a:t>13</a:t>
+            </a:fld>
+            <a:endParaRPr lang="da-DK"/>
+          </a:p>
+        </p:txBody>
+      </p:sp>
+      <p:pic>
+        <p:nvPicPr>
+          <p:cNvPr id="8" name="Picture 7">
+            <a:extLst>
+              <a:ext uri="{FF2B5EF4-FFF2-40B4-BE49-F238E27FC236}">
+                <a16:creationId xmlns:a16="http://schemas.microsoft.com/office/drawing/2014/main" id="{85475AC4-C8CF-4DF3-850E-C896C94A1300}"/>
+              </a:ext>
+            </a:extLst>
+          </p:cNvPr>
+          <p:cNvPicPr>
+            <a:picLocks noChangeAspect="1"/>
+          </p:cNvPicPr>
+          <p:nvPr/>
+        </p:nvPicPr>
+        <p:blipFill>
+          <a:blip r:embed="rId2"/>
+          <a:stretch>
+            <a:fillRect/>
+          </a:stretch>
+        </p:blipFill>
+        <p:spPr>
+          <a:xfrm>
+            <a:off x="2324100" y="1240922"/>
+            <a:ext cx="7658100" cy="5038725"/>
+          </a:xfrm>
+          <a:prstGeom prst="rect">
+            <a:avLst/>
+          </a:prstGeom>
+        </p:spPr>
+      </p:pic>
+    </p:spTree>
+    <p:extLst>
+      <p:ext uri="{BB962C8B-B14F-4D97-AF65-F5344CB8AC3E}">
+        <p14:creationId xmlns:p14="http://schemas.microsoft.com/office/powerpoint/2010/main" val="1561460348"/>
+      </p:ext>
+    </p:extLst>
+  </p:cSld>
+  <p:clrMapOvr>
+    <a:masterClrMapping/>
+  </p:clrMapOvr>
+</p:sld>
+</file>
+
 <file path=ppt/slides/slide2.xml><?xml version="1.0" encoding="utf-8"?>
 <p:sld xmlns:a="http://schemas.openxmlformats.org/drawingml/2006/main" xmlns:r="http://schemas.openxmlformats.org/officeDocument/2006/relationships" xmlns:p="http://schemas.openxmlformats.org/presentationml/2006/main">
   <p:cSld>
@@ -4155,7 +5423,7 @@
           <p:cNvPr id="2" name="Title 1">
             <a:extLst>
               <a:ext uri="{FF2B5EF4-FFF2-40B4-BE49-F238E27FC236}">
-                <a16:creationId xmlns:a16="http://schemas.microsoft.com/office/drawing/2014/main" id="{AFA3FB33-E459-44C2-8C3E-2980164944DF}"/>
+                <a16:creationId xmlns:a16="http://schemas.microsoft.com/office/drawing/2014/main" id="{58E8D4BB-C1B6-4E67-BC86-91F58450B639}"/>
               </a:ext>
             </a:extLst>
           </p:cNvPr>
@@ -4173,7 +5441,7 @@
           <a:p>
             <a:r>
               <a:rPr lang="da-DK" dirty="0"/>
-              <a:t>History of deep learning</a:t>
+              <a:t>Who am I?</a:t>
             </a:r>
           </a:p>
         </p:txBody>
@@ -4183,7 +5451,7 @@
           <p:cNvPr id="3" name="Content Placeholder 2">
             <a:extLst>
               <a:ext uri="{FF2B5EF4-FFF2-40B4-BE49-F238E27FC236}">
-                <a16:creationId xmlns:a16="http://schemas.microsoft.com/office/drawing/2014/main" id="{E0F4738D-97BD-4C83-B3F1-645790055083}"/>
+                <a16:creationId xmlns:a16="http://schemas.microsoft.com/office/drawing/2014/main" id="{702EBF8C-6488-4012-A097-7D5B455A9DAC}"/>
               </a:ext>
             </a:extLst>
           </p:cNvPr>
@@ -4194,12 +5462,38 @@
             <p:ph idx="1"/>
           </p:nvPr>
         </p:nvSpPr>
-        <p:spPr/>
-        <p:txBody>
-          <a:bodyPr/>
-          <a:lstStyle/>
-          <a:p>
-            <a:endParaRPr lang="da-DK"/>
+        <p:spPr>
+          <a:xfrm>
+            <a:off x="838200" y="1343608"/>
+            <a:ext cx="3948404" cy="4833355"/>
+          </a:xfrm>
+        </p:spPr>
+        <p:txBody>
+          <a:bodyPr/>
+          <a:lstStyle/>
+          <a:p>
+            <a:r>
+              <a:rPr lang="da-DK" dirty="0"/>
+              <a:t>Bachelor, Master and PhD from DTU</a:t>
+            </a:r>
+          </a:p>
+          <a:p>
+            <a:r>
+              <a:rPr lang="da-DK" dirty="0"/>
+              <a:t>Currently: Postdoc at section for cognitive systems</a:t>
+            </a:r>
+          </a:p>
+          <a:p>
+            <a:r>
+              <a:rPr lang="da-DK" dirty="0"/>
+              <a:t>Focus: Inductive biases in deep learning</a:t>
+            </a:r>
+          </a:p>
+          <a:p>
+            <a:r>
+              <a:rPr lang="da-DK" dirty="0"/>
+              <a:t>Eager open-source contributer</a:t>
+            </a:r>
           </a:p>
         </p:txBody>
       </p:sp>
@@ -4208,7 +5502,7 @@
           <p:cNvPr id="4" name="Date Placeholder 3">
             <a:extLst>
               <a:ext uri="{FF2B5EF4-FFF2-40B4-BE49-F238E27FC236}">
-                <a16:creationId xmlns:a16="http://schemas.microsoft.com/office/drawing/2014/main" id="{8FDE3585-E720-46C0-833E-F175CF8BA031}"/>
+                <a16:creationId xmlns:a16="http://schemas.microsoft.com/office/drawing/2014/main" id="{D4F62D03-ED73-4A7D-82C9-310E7CD68214}"/>
               </a:ext>
             </a:extLst>
           </p:cNvPr>
@@ -4226,7 +5520,7 @@
           <a:p>
             <a:fld id="{019E29B9-5584-4737-9C98-1B926378C778}" type="datetime1">
               <a:rPr lang="en-US" smtClean="0"/>
-              <a:t>4/7/2021</a:t>
+              <a:t>4/28/2021</a:t>
             </a:fld>
             <a:endParaRPr lang="da-DK"/>
           </a:p>
@@ -4237,7 +5531,7 @@
           <p:cNvPr id="5" name="Footer Placeholder 4">
             <a:extLst>
               <a:ext uri="{FF2B5EF4-FFF2-40B4-BE49-F238E27FC236}">
-                <a16:creationId xmlns:a16="http://schemas.microsoft.com/office/drawing/2014/main" id="{767C9310-195E-4210-AADE-3C5DE42CF185}"/>
+                <a16:creationId xmlns:a16="http://schemas.microsoft.com/office/drawing/2014/main" id="{882E1898-21D0-4D32-AC7E-7147EC819B48}"/>
               </a:ext>
             </a:extLst>
           </p:cNvPr>
@@ -4265,7 +5559,7 @@
           <p:cNvPr id="6" name="Slide Number Placeholder 5">
             <a:extLst>
               <a:ext uri="{FF2B5EF4-FFF2-40B4-BE49-F238E27FC236}">
-                <a16:creationId xmlns:a16="http://schemas.microsoft.com/office/drawing/2014/main" id="{2B37452C-28B9-4BDA-AAC9-2F25A667A22F}"/>
+                <a16:creationId xmlns:a16="http://schemas.microsoft.com/office/drawing/2014/main" id="{203FFC39-1575-4AB1-B35D-785402D7079A}"/>
               </a:ext>
             </a:extLst>
           </p:cNvPr>
@@ -4284,6 +5578,1299 @@
             <a:fld id="{F6FEDE24-D50C-481B-A7B4-8AF13899101A}" type="slidenum">
               <a:rPr lang="da-DK" smtClean="0"/>
               <a:t>2</a:t>
+            </a:fld>
+            <a:endParaRPr lang="da-DK"/>
+          </a:p>
+        </p:txBody>
+      </p:sp>
+      <p:pic>
+        <p:nvPicPr>
+          <p:cNvPr id="8" name="Picture 7">
+            <a:extLst>
+              <a:ext uri="{FF2B5EF4-FFF2-40B4-BE49-F238E27FC236}">
+                <a16:creationId xmlns:a16="http://schemas.microsoft.com/office/drawing/2014/main" id="{ED45CCE3-4DA7-4A05-A5AF-566A6BFB523B}"/>
+              </a:ext>
+            </a:extLst>
+          </p:cNvPr>
+          <p:cNvPicPr>
+            <a:picLocks noChangeAspect="1"/>
+          </p:cNvPicPr>
+          <p:nvPr/>
+        </p:nvPicPr>
+        <p:blipFill>
+          <a:blip r:embed="rId2"/>
+          <a:stretch>
+            <a:fillRect/>
+          </a:stretch>
+        </p:blipFill>
+        <p:spPr>
+          <a:xfrm>
+            <a:off x="5070174" y="1276014"/>
+            <a:ext cx="6359825" cy="4980241"/>
+          </a:xfrm>
+          <a:prstGeom prst="rect">
+            <a:avLst/>
+          </a:prstGeom>
+        </p:spPr>
+      </p:pic>
+    </p:spTree>
+    <p:extLst>
+      <p:ext uri="{BB962C8B-B14F-4D97-AF65-F5344CB8AC3E}">
+        <p14:creationId xmlns:p14="http://schemas.microsoft.com/office/powerpoint/2010/main" val="793031869"/>
+      </p:ext>
+    </p:extLst>
+  </p:cSld>
+  <p:clrMapOvr>
+    <a:masterClrMapping/>
+  </p:clrMapOvr>
+</p:sld>
+</file>
+
+<file path=ppt/slides/slide3.xml><?xml version="1.0" encoding="utf-8"?>
+<p:sld xmlns:a="http://schemas.openxmlformats.org/drawingml/2006/main" xmlns:r="http://schemas.openxmlformats.org/officeDocument/2006/relationships" xmlns:p="http://schemas.openxmlformats.org/presentationml/2006/main">
+  <p:cSld>
+    <p:spTree>
+      <p:nvGrpSpPr>
+        <p:cNvPr id="1" name=""/>
+        <p:cNvGrpSpPr/>
+        <p:nvPr/>
+      </p:nvGrpSpPr>
+      <p:grpSpPr>
+        <a:xfrm>
+          <a:off x="0" y="0"/>
+          <a:ext cx="0" cy="0"/>
+          <a:chOff x="0" y="0"/>
+          <a:chExt cx="0" cy="0"/>
+        </a:xfrm>
+      </p:grpSpPr>
+      <p:sp>
+        <p:nvSpPr>
+          <p:cNvPr id="2" name="Title 1">
+            <a:extLst>
+              <a:ext uri="{FF2B5EF4-FFF2-40B4-BE49-F238E27FC236}">
+                <a16:creationId xmlns:a16="http://schemas.microsoft.com/office/drawing/2014/main" id="{C05B36BC-3113-4CDC-96A0-4FEA73123AA1}"/>
+              </a:ext>
+            </a:extLst>
+          </p:cNvPr>
+          <p:cNvSpPr>
+            <a:spLocks noGrp="1"/>
+          </p:cNvSpPr>
+          <p:nvPr>
+            <p:ph type="title"/>
+          </p:nvPr>
+        </p:nvSpPr>
+        <p:spPr/>
+        <p:txBody>
+          <a:bodyPr/>
+          <a:lstStyle/>
+          <a:p>
+            <a:r>
+              <a:rPr lang="da-DK" dirty="0"/>
+              <a:t>Course settings</a:t>
+            </a:r>
+          </a:p>
+        </p:txBody>
+      </p:sp>
+      <p:sp>
+        <p:nvSpPr>
+          <p:cNvPr id="3" name="Content Placeholder 2">
+            <a:extLst>
+              <a:ext uri="{FF2B5EF4-FFF2-40B4-BE49-F238E27FC236}">
+                <a16:creationId xmlns:a16="http://schemas.microsoft.com/office/drawing/2014/main" id="{34D039C6-9870-4251-A8E1-AE19834E1076}"/>
+              </a:ext>
+            </a:extLst>
+          </p:cNvPr>
+          <p:cNvSpPr>
+            <a:spLocks noGrp="1"/>
+          </p:cNvSpPr>
+          <p:nvPr>
+            <p:ph idx="1"/>
+          </p:nvPr>
+        </p:nvSpPr>
+        <p:spPr/>
+        <p:txBody>
+          <a:bodyPr/>
+          <a:lstStyle/>
+          <a:p>
+            <a:r>
+              <a:rPr lang="en-US" dirty="0"/>
+              <a:t>5 ECTS</a:t>
+            </a:r>
+          </a:p>
+          <a:p>
+            <a:r>
+              <a:rPr lang="en-US" dirty="0"/>
+              <a:t>3 week period (summer or winter)</a:t>
+            </a:r>
+          </a:p>
+          <a:p>
+            <a:r>
+              <a:rPr lang="en-US" dirty="0"/>
+              <a:t>Level: Master</a:t>
+            </a:r>
+          </a:p>
+          <a:p>
+            <a:r>
+              <a:rPr lang="en-US" dirty="0"/>
+              <a:t>Grade: Pass/not passed</a:t>
+            </a:r>
+          </a:p>
+          <a:p>
+            <a:r>
+              <a:rPr lang="en-US" dirty="0"/>
+              <a:t>Type of assessment: weekly project updates + final oral examination/presentation</a:t>
+            </a:r>
+          </a:p>
+          <a:p>
+            <a:r>
+              <a:rPr lang="en-US" dirty="0"/>
+              <a:t>Recommended prerequisites: 02456 (Deep Learning)</a:t>
+            </a:r>
+          </a:p>
+          <a:p>
+            <a:endParaRPr lang="da-DK" dirty="0"/>
+          </a:p>
+        </p:txBody>
+      </p:sp>
+      <p:sp>
+        <p:nvSpPr>
+          <p:cNvPr id="4" name="Date Placeholder 3">
+            <a:extLst>
+              <a:ext uri="{FF2B5EF4-FFF2-40B4-BE49-F238E27FC236}">
+                <a16:creationId xmlns:a16="http://schemas.microsoft.com/office/drawing/2014/main" id="{C8C36B0C-1FF3-4A7C-B24F-7D88ACBB2CC1}"/>
+              </a:ext>
+            </a:extLst>
+          </p:cNvPr>
+          <p:cNvSpPr>
+            <a:spLocks noGrp="1"/>
+          </p:cNvSpPr>
+          <p:nvPr>
+            <p:ph type="dt" sz="half" idx="10"/>
+          </p:nvPr>
+        </p:nvSpPr>
+        <p:spPr/>
+        <p:txBody>
+          <a:bodyPr/>
+          <a:lstStyle/>
+          <a:p>
+            <a:fld id="{019E29B9-5584-4737-9C98-1B926378C778}" type="datetime1">
+              <a:rPr lang="en-US" smtClean="0"/>
+              <a:t>4/28/2021</a:t>
+            </a:fld>
+            <a:endParaRPr lang="da-DK"/>
+          </a:p>
+        </p:txBody>
+      </p:sp>
+      <p:sp>
+        <p:nvSpPr>
+          <p:cNvPr id="5" name="Footer Placeholder 4">
+            <a:extLst>
+              <a:ext uri="{FF2B5EF4-FFF2-40B4-BE49-F238E27FC236}">
+                <a16:creationId xmlns:a16="http://schemas.microsoft.com/office/drawing/2014/main" id="{08F6832D-A8A4-4B07-B32E-AEEC2306A8A5}"/>
+              </a:ext>
+            </a:extLst>
+          </p:cNvPr>
+          <p:cNvSpPr>
+            <a:spLocks noGrp="1"/>
+          </p:cNvSpPr>
+          <p:nvPr>
+            <p:ph type="ftr" sz="quarter" idx="11"/>
+          </p:nvPr>
+        </p:nvSpPr>
+        <p:spPr/>
+        <p:txBody>
+          <a:bodyPr/>
+          <a:lstStyle/>
+          <a:p>
+            <a:r>
+              <a:rPr lang="da-DK"/>
+              <a:t>Nicki Skafte Detlefsen</a:t>
+            </a:r>
+          </a:p>
+        </p:txBody>
+      </p:sp>
+      <p:sp>
+        <p:nvSpPr>
+          <p:cNvPr id="6" name="Slide Number Placeholder 5">
+            <a:extLst>
+              <a:ext uri="{FF2B5EF4-FFF2-40B4-BE49-F238E27FC236}">
+                <a16:creationId xmlns:a16="http://schemas.microsoft.com/office/drawing/2014/main" id="{66F3680D-A2D0-4798-A435-405C34F8B3ED}"/>
+              </a:ext>
+            </a:extLst>
+          </p:cNvPr>
+          <p:cNvSpPr>
+            <a:spLocks noGrp="1"/>
+          </p:cNvSpPr>
+          <p:nvPr>
+            <p:ph type="sldNum" sz="quarter" idx="12"/>
+          </p:nvPr>
+        </p:nvSpPr>
+        <p:spPr/>
+        <p:txBody>
+          <a:bodyPr/>
+          <a:lstStyle/>
+          <a:p>
+            <a:fld id="{F6FEDE24-D50C-481B-A7B4-8AF13899101A}" type="slidenum">
+              <a:rPr lang="da-DK" smtClean="0"/>
+              <a:t>3</a:t>
+            </a:fld>
+            <a:endParaRPr lang="da-DK"/>
+          </a:p>
+        </p:txBody>
+      </p:sp>
+    </p:spTree>
+    <p:extLst>
+      <p:ext uri="{BB962C8B-B14F-4D97-AF65-F5344CB8AC3E}">
+        <p14:creationId xmlns:p14="http://schemas.microsoft.com/office/powerpoint/2010/main" val="2060902751"/>
+      </p:ext>
+    </p:extLst>
+  </p:cSld>
+  <p:clrMapOvr>
+    <a:masterClrMapping/>
+  </p:clrMapOvr>
+</p:sld>
+</file>
+
+<file path=ppt/slides/slide4.xml><?xml version="1.0" encoding="utf-8"?>
+<p:sld xmlns:a="http://schemas.openxmlformats.org/drawingml/2006/main" xmlns:r="http://schemas.openxmlformats.org/officeDocument/2006/relationships" xmlns:p="http://schemas.openxmlformats.org/presentationml/2006/main">
+  <p:cSld>
+    <p:spTree>
+      <p:nvGrpSpPr>
+        <p:cNvPr id="1" name=""/>
+        <p:cNvGrpSpPr/>
+        <p:nvPr/>
+      </p:nvGrpSpPr>
+      <p:grpSpPr>
+        <a:xfrm>
+          <a:off x="0" y="0"/>
+          <a:ext cx="0" cy="0"/>
+          <a:chOff x="0" y="0"/>
+          <a:chExt cx="0" cy="0"/>
+        </a:xfrm>
+      </p:grpSpPr>
+      <p:sp>
+        <p:nvSpPr>
+          <p:cNvPr id="2" name="Title 1">
+            <a:extLst>
+              <a:ext uri="{FF2B5EF4-FFF2-40B4-BE49-F238E27FC236}">
+                <a16:creationId xmlns:a16="http://schemas.microsoft.com/office/drawing/2014/main" id="{CBD645AF-8CEA-41F9-AC2F-73738FE02D95}"/>
+              </a:ext>
+            </a:extLst>
+          </p:cNvPr>
+          <p:cNvSpPr>
+            <a:spLocks noGrp="1"/>
+          </p:cNvSpPr>
+          <p:nvPr>
+            <p:ph type="title"/>
+          </p:nvPr>
+        </p:nvSpPr>
+        <p:spPr/>
+        <p:txBody>
+          <a:bodyPr/>
+          <a:lstStyle/>
+          <a:p>
+            <a:r>
+              <a:rPr lang="da-DK" dirty="0"/>
+              <a:t>What is this course/What is it not</a:t>
+            </a:r>
+          </a:p>
+        </p:txBody>
+      </p:sp>
+      <p:sp>
+        <p:nvSpPr>
+          <p:cNvPr id="4" name="Date Placeholder 3">
+            <a:extLst>
+              <a:ext uri="{FF2B5EF4-FFF2-40B4-BE49-F238E27FC236}">
+                <a16:creationId xmlns:a16="http://schemas.microsoft.com/office/drawing/2014/main" id="{84A52050-865F-47FD-8F3E-9034316DD736}"/>
+              </a:ext>
+            </a:extLst>
+          </p:cNvPr>
+          <p:cNvSpPr>
+            <a:spLocks noGrp="1"/>
+          </p:cNvSpPr>
+          <p:nvPr>
+            <p:ph type="dt" sz="half" idx="10"/>
+          </p:nvPr>
+        </p:nvSpPr>
+        <p:spPr/>
+        <p:txBody>
+          <a:bodyPr/>
+          <a:lstStyle/>
+          <a:p>
+            <a:fld id="{019E29B9-5584-4737-9C98-1B926378C778}" type="datetime1">
+              <a:rPr lang="en-US" smtClean="0"/>
+              <a:t>4/28/2021</a:t>
+            </a:fld>
+            <a:endParaRPr lang="da-DK"/>
+          </a:p>
+        </p:txBody>
+      </p:sp>
+      <p:sp>
+        <p:nvSpPr>
+          <p:cNvPr id="5" name="Footer Placeholder 4">
+            <a:extLst>
+              <a:ext uri="{FF2B5EF4-FFF2-40B4-BE49-F238E27FC236}">
+                <a16:creationId xmlns:a16="http://schemas.microsoft.com/office/drawing/2014/main" id="{8EA22393-BA0E-46FA-BAC8-2D4E3CF6CC12}"/>
+              </a:ext>
+            </a:extLst>
+          </p:cNvPr>
+          <p:cNvSpPr>
+            <a:spLocks noGrp="1"/>
+          </p:cNvSpPr>
+          <p:nvPr>
+            <p:ph type="ftr" sz="quarter" idx="11"/>
+          </p:nvPr>
+        </p:nvSpPr>
+        <p:spPr/>
+        <p:txBody>
+          <a:bodyPr/>
+          <a:lstStyle/>
+          <a:p>
+            <a:r>
+              <a:rPr lang="da-DK"/>
+              <a:t>Nicki Skafte Detlefsen</a:t>
+            </a:r>
+          </a:p>
+        </p:txBody>
+      </p:sp>
+      <p:sp>
+        <p:nvSpPr>
+          <p:cNvPr id="6" name="Slide Number Placeholder 5">
+            <a:extLst>
+              <a:ext uri="{FF2B5EF4-FFF2-40B4-BE49-F238E27FC236}">
+                <a16:creationId xmlns:a16="http://schemas.microsoft.com/office/drawing/2014/main" id="{E5D0D7B1-034F-4C1B-B1B7-8AF14387CFE5}"/>
+              </a:ext>
+            </a:extLst>
+          </p:cNvPr>
+          <p:cNvSpPr>
+            <a:spLocks noGrp="1"/>
+          </p:cNvSpPr>
+          <p:nvPr>
+            <p:ph type="sldNum" sz="quarter" idx="12"/>
+          </p:nvPr>
+        </p:nvSpPr>
+        <p:spPr/>
+        <p:txBody>
+          <a:bodyPr/>
+          <a:lstStyle/>
+          <a:p>
+            <a:fld id="{F6FEDE24-D50C-481B-A7B4-8AF13899101A}" type="slidenum">
+              <a:rPr lang="da-DK" smtClean="0"/>
+              <a:t>4</a:t>
+            </a:fld>
+            <a:endParaRPr lang="da-DK"/>
+          </a:p>
+        </p:txBody>
+      </p:sp>
+      <p:sp>
+        <p:nvSpPr>
+          <p:cNvPr id="10" name="Content Placeholder 9">
+            <a:extLst>
+              <a:ext uri="{FF2B5EF4-FFF2-40B4-BE49-F238E27FC236}">
+                <a16:creationId xmlns:a16="http://schemas.microsoft.com/office/drawing/2014/main" id="{628D77B9-962D-4AA8-9903-972F0EF12FC1}"/>
+              </a:ext>
+            </a:extLst>
+          </p:cNvPr>
+          <p:cNvSpPr>
+            <a:spLocks noGrp="1"/>
+          </p:cNvSpPr>
+          <p:nvPr>
+            <p:ph idx="1"/>
+          </p:nvPr>
+        </p:nvSpPr>
+        <p:spPr/>
+        <p:txBody>
+          <a:bodyPr>
+            <a:normAutofit fontScale="92500" lnSpcReduction="10000"/>
+          </a:bodyPr>
+          <a:lstStyle/>
+          <a:p>
+            <a:r>
+              <a:rPr lang="en-US" dirty="0">
+                <a:solidFill>
+                  <a:schemeClr val="accent6"/>
+                </a:solidFill>
+              </a:rPr>
+              <a:t>Introduce the student to a number of coding practices, that will help them do state-of-the-art research. To provide hands-on experience with a number of frameworks for doing deep learning.</a:t>
+            </a:r>
+          </a:p>
+          <a:p>
+            <a:endParaRPr lang="en-US" dirty="0">
+              <a:solidFill>
+                <a:schemeClr val="accent6"/>
+              </a:solidFill>
+            </a:endParaRPr>
+          </a:p>
+          <a:p>
+            <a:r>
+              <a:rPr lang="en-US" dirty="0">
+                <a:solidFill>
+                  <a:schemeClr val="accent6"/>
+                </a:solidFill>
+              </a:rPr>
+              <a:t>Keywords:</a:t>
+            </a:r>
+          </a:p>
+          <a:p>
+            <a:pPr lvl="1"/>
+            <a:r>
+              <a:rPr lang="en-US" dirty="0" err="1">
+                <a:solidFill>
+                  <a:schemeClr val="accent6"/>
+                </a:solidFill>
+              </a:rPr>
+              <a:t>Organisation</a:t>
+            </a:r>
+            <a:endParaRPr lang="en-US" dirty="0">
+              <a:solidFill>
+                <a:schemeClr val="accent6"/>
+              </a:solidFill>
+            </a:endParaRPr>
+          </a:p>
+          <a:p>
+            <a:pPr lvl="1"/>
+            <a:r>
+              <a:rPr lang="en-US" dirty="0">
+                <a:solidFill>
+                  <a:schemeClr val="accent6"/>
+                </a:solidFill>
+              </a:rPr>
+              <a:t>Scalability</a:t>
+            </a:r>
+          </a:p>
+          <a:p>
+            <a:pPr lvl="1"/>
+            <a:r>
+              <a:rPr lang="en-US" dirty="0">
+                <a:solidFill>
+                  <a:schemeClr val="accent6"/>
+                </a:solidFill>
+              </a:rPr>
+              <a:t>Reproducibility</a:t>
+            </a:r>
+          </a:p>
+          <a:p>
+            <a:pPr lvl="1"/>
+            <a:r>
+              <a:rPr lang="en-US" dirty="0">
+                <a:solidFill>
+                  <a:schemeClr val="accent6"/>
+                </a:solidFill>
+              </a:rPr>
+              <a:t>Hands-on experience</a:t>
+            </a:r>
+          </a:p>
+          <a:p>
+            <a:endParaRPr lang="da-DK" dirty="0"/>
+          </a:p>
+          <a:p>
+            <a:endParaRPr lang="da-DK" dirty="0"/>
+          </a:p>
+          <a:p>
+            <a:r>
+              <a:rPr lang="da-DK" dirty="0">
+                <a:solidFill>
+                  <a:srgbClr val="FF0000"/>
+                </a:solidFill>
+              </a:rPr>
+              <a:t>How deep learning models works (02456)</a:t>
+            </a:r>
+          </a:p>
+        </p:txBody>
+      </p:sp>
+    </p:spTree>
+    <p:extLst>
+      <p:ext uri="{BB962C8B-B14F-4D97-AF65-F5344CB8AC3E}">
+        <p14:creationId xmlns:p14="http://schemas.microsoft.com/office/powerpoint/2010/main" val="2054814454"/>
+      </p:ext>
+    </p:extLst>
+  </p:cSld>
+  <p:clrMapOvr>
+    <a:masterClrMapping/>
+  </p:clrMapOvr>
+</p:sld>
+</file>
+
+<file path=ppt/slides/slide5.xml><?xml version="1.0" encoding="utf-8"?>
+<p:sld xmlns:a="http://schemas.openxmlformats.org/drawingml/2006/main" xmlns:r="http://schemas.openxmlformats.org/officeDocument/2006/relationships" xmlns:p="http://schemas.openxmlformats.org/presentationml/2006/main">
+  <p:cSld>
+    <p:spTree>
+      <p:nvGrpSpPr>
+        <p:cNvPr id="1" name=""/>
+        <p:cNvGrpSpPr/>
+        <p:nvPr/>
+      </p:nvGrpSpPr>
+      <p:grpSpPr>
+        <a:xfrm>
+          <a:off x="0" y="0"/>
+          <a:ext cx="0" cy="0"/>
+          <a:chOff x="0" y="0"/>
+          <a:chExt cx="0" cy="0"/>
+        </a:xfrm>
+      </p:grpSpPr>
+      <p:sp>
+        <p:nvSpPr>
+          <p:cNvPr id="2" name="Title 1">
+            <a:extLst>
+              <a:ext uri="{FF2B5EF4-FFF2-40B4-BE49-F238E27FC236}">
+                <a16:creationId xmlns:a16="http://schemas.microsoft.com/office/drawing/2014/main" id="{F1E711DA-65EA-4DE5-B30A-D8A698ECF6DC}"/>
+              </a:ext>
+            </a:extLst>
+          </p:cNvPr>
+          <p:cNvSpPr>
+            <a:spLocks noGrp="1"/>
+          </p:cNvSpPr>
+          <p:nvPr>
+            <p:ph type="title"/>
+          </p:nvPr>
+        </p:nvSpPr>
+        <p:spPr/>
+        <p:txBody>
+          <a:bodyPr/>
+          <a:lstStyle/>
+          <a:p>
+            <a:r>
+              <a:rPr lang="da-DK" dirty="0"/>
+              <a:t>What do I expect from you</a:t>
+            </a:r>
+          </a:p>
+        </p:txBody>
+      </p:sp>
+      <p:sp>
+        <p:nvSpPr>
+          <p:cNvPr id="3" name="Content Placeholder 2">
+            <a:extLst>
+              <a:ext uri="{FF2B5EF4-FFF2-40B4-BE49-F238E27FC236}">
+                <a16:creationId xmlns:a16="http://schemas.microsoft.com/office/drawing/2014/main" id="{FFC6612C-48BD-4B00-AFE3-53AA7E6A6183}"/>
+              </a:ext>
+            </a:extLst>
+          </p:cNvPr>
+          <p:cNvSpPr>
+            <a:spLocks noGrp="1"/>
+          </p:cNvSpPr>
+          <p:nvPr>
+            <p:ph idx="1"/>
+          </p:nvPr>
+        </p:nvSpPr>
+        <p:spPr/>
+        <p:txBody>
+          <a:bodyPr>
+            <a:normAutofit lnSpcReduction="10000"/>
+          </a:bodyPr>
+          <a:lstStyle/>
+          <a:p>
+            <a:r>
+              <a:rPr lang="da-DK" dirty="0"/>
+              <a:t>This course was developed over 1 month, meaning that the material may be suboptimal </a:t>
+            </a:r>
+          </a:p>
+          <a:p>
+            <a:r>
+              <a:rPr lang="da-DK" dirty="0"/>
+              <a:t>Make sure to both explore and exploit it!</a:t>
+            </a:r>
+          </a:p>
+          <a:p>
+            <a:endParaRPr lang="da-DK" dirty="0"/>
+          </a:p>
+          <a:p>
+            <a:endParaRPr lang="da-DK" dirty="0"/>
+          </a:p>
+          <a:p>
+            <a:endParaRPr lang="da-DK" dirty="0"/>
+          </a:p>
+          <a:p>
+            <a:endParaRPr lang="da-DK" dirty="0"/>
+          </a:p>
+          <a:p>
+            <a:endParaRPr lang="da-DK" dirty="0"/>
+          </a:p>
+          <a:p>
+            <a:endParaRPr lang="da-DK" dirty="0"/>
+          </a:p>
+          <a:p>
+            <a:r>
+              <a:rPr lang="da-DK" dirty="0"/>
+              <a:t>Provide all the feedback you have, I can take it!</a:t>
+            </a:r>
+          </a:p>
+        </p:txBody>
+      </p:sp>
+      <p:sp>
+        <p:nvSpPr>
+          <p:cNvPr id="4" name="Date Placeholder 3">
+            <a:extLst>
+              <a:ext uri="{FF2B5EF4-FFF2-40B4-BE49-F238E27FC236}">
+                <a16:creationId xmlns:a16="http://schemas.microsoft.com/office/drawing/2014/main" id="{2BD9C627-2F34-4D1C-87F3-E7F58EFCEC2D}"/>
+              </a:ext>
+            </a:extLst>
+          </p:cNvPr>
+          <p:cNvSpPr>
+            <a:spLocks noGrp="1"/>
+          </p:cNvSpPr>
+          <p:nvPr>
+            <p:ph type="dt" sz="half" idx="10"/>
+          </p:nvPr>
+        </p:nvSpPr>
+        <p:spPr/>
+        <p:txBody>
+          <a:bodyPr/>
+          <a:lstStyle/>
+          <a:p>
+            <a:fld id="{019E29B9-5584-4737-9C98-1B926378C778}" type="datetime1">
+              <a:rPr lang="en-US" smtClean="0"/>
+              <a:t>4/28/2021</a:t>
+            </a:fld>
+            <a:endParaRPr lang="da-DK"/>
+          </a:p>
+        </p:txBody>
+      </p:sp>
+      <p:sp>
+        <p:nvSpPr>
+          <p:cNvPr id="5" name="Footer Placeholder 4">
+            <a:extLst>
+              <a:ext uri="{FF2B5EF4-FFF2-40B4-BE49-F238E27FC236}">
+                <a16:creationId xmlns:a16="http://schemas.microsoft.com/office/drawing/2014/main" id="{61DC04A8-645A-4ECE-B434-67886C0DC519}"/>
+              </a:ext>
+            </a:extLst>
+          </p:cNvPr>
+          <p:cNvSpPr>
+            <a:spLocks noGrp="1"/>
+          </p:cNvSpPr>
+          <p:nvPr>
+            <p:ph type="ftr" sz="quarter" idx="11"/>
+          </p:nvPr>
+        </p:nvSpPr>
+        <p:spPr/>
+        <p:txBody>
+          <a:bodyPr/>
+          <a:lstStyle/>
+          <a:p>
+            <a:r>
+              <a:rPr lang="da-DK"/>
+              <a:t>Nicki Skafte Detlefsen</a:t>
+            </a:r>
+          </a:p>
+        </p:txBody>
+      </p:sp>
+      <p:sp>
+        <p:nvSpPr>
+          <p:cNvPr id="6" name="Slide Number Placeholder 5">
+            <a:extLst>
+              <a:ext uri="{FF2B5EF4-FFF2-40B4-BE49-F238E27FC236}">
+                <a16:creationId xmlns:a16="http://schemas.microsoft.com/office/drawing/2014/main" id="{57A03625-D8B0-414F-9AE3-07CFC95F9E06}"/>
+              </a:ext>
+            </a:extLst>
+          </p:cNvPr>
+          <p:cNvSpPr>
+            <a:spLocks noGrp="1"/>
+          </p:cNvSpPr>
+          <p:nvPr>
+            <p:ph type="sldNum" sz="quarter" idx="12"/>
+          </p:nvPr>
+        </p:nvSpPr>
+        <p:spPr/>
+        <p:txBody>
+          <a:bodyPr/>
+          <a:lstStyle/>
+          <a:p>
+            <a:fld id="{F6FEDE24-D50C-481B-A7B4-8AF13899101A}" type="slidenum">
+              <a:rPr lang="da-DK" smtClean="0"/>
+              <a:t>5</a:t>
+            </a:fld>
+            <a:endParaRPr lang="da-DK"/>
+          </a:p>
+        </p:txBody>
+      </p:sp>
+      <p:pic>
+        <p:nvPicPr>
+          <p:cNvPr id="7" name="Content Placeholder 7" descr="Chart, line chart&#10;&#10;Description automatically generated">
+            <a:extLst>
+              <a:ext uri="{FF2B5EF4-FFF2-40B4-BE49-F238E27FC236}">
+                <a16:creationId xmlns:a16="http://schemas.microsoft.com/office/drawing/2014/main" id="{C31CE3DC-49DD-433C-B3C6-405A54371EFB}"/>
+              </a:ext>
+            </a:extLst>
+          </p:cNvPr>
+          <p:cNvPicPr>
+            <a:picLocks noChangeAspect="1"/>
+          </p:cNvPicPr>
+          <p:nvPr/>
+        </p:nvPicPr>
+        <p:blipFill>
+          <a:blip r:embed="rId2">
+            <a:extLst>
+              <a:ext uri="{28A0092B-C50C-407E-A947-70E740481C1C}">
+                <a14:useLocalDpi xmlns:a14="http://schemas.microsoft.com/office/drawing/2010/main" val="0"/>
+              </a:ext>
+            </a:extLst>
+          </a:blip>
+          <a:stretch>
+            <a:fillRect/>
+          </a:stretch>
+        </p:blipFill>
+        <p:spPr>
+          <a:xfrm>
+            <a:off x="4037229" y="2546130"/>
+            <a:ext cx="3329478" cy="2632246"/>
+          </a:xfrm>
+          <a:prstGeom prst="rect">
+            <a:avLst/>
+          </a:prstGeom>
+        </p:spPr>
+      </p:pic>
+      <p:cxnSp>
+        <p:nvCxnSpPr>
+          <p:cNvPr id="9" name="Straight Connector 8">
+            <a:extLst>
+              <a:ext uri="{FF2B5EF4-FFF2-40B4-BE49-F238E27FC236}">
+                <a16:creationId xmlns:a16="http://schemas.microsoft.com/office/drawing/2014/main" id="{E1DF363C-DE16-465D-9D32-6BBCBE9D03E9}"/>
+              </a:ext>
+            </a:extLst>
+          </p:cNvPr>
+          <p:cNvCxnSpPr/>
+          <p:nvPr/>
+        </p:nvCxnSpPr>
+        <p:spPr>
+          <a:xfrm flipV="1">
+            <a:off x="4889241" y="4987974"/>
+            <a:ext cx="1446245" cy="171250"/>
+          </a:xfrm>
+          <a:prstGeom prst="line">
+            <a:avLst/>
+          </a:prstGeom>
+          <a:ln>
+            <a:solidFill>
+              <a:srgbClr val="FF0000"/>
+            </a:solidFill>
+          </a:ln>
+        </p:spPr>
+        <p:style>
+          <a:lnRef idx="1">
+            <a:schemeClr val="accent1"/>
+          </a:lnRef>
+          <a:fillRef idx="0">
+            <a:schemeClr val="accent1"/>
+          </a:fillRef>
+          <a:effectRef idx="0">
+            <a:schemeClr val="accent1"/>
+          </a:effectRef>
+          <a:fontRef idx="minor">
+            <a:schemeClr val="tx1"/>
+          </a:fontRef>
+        </p:style>
+      </p:cxnSp>
+      <p:cxnSp>
+        <p:nvCxnSpPr>
+          <p:cNvPr id="10" name="Straight Connector 9">
+            <a:extLst>
+              <a:ext uri="{FF2B5EF4-FFF2-40B4-BE49-F238E27FC236}">
+                <a16:creationId xmlns:a16="http://schemas.microsoft.com/office/drawing/2014/main" id="{47324649-2D36-434E-9F88-A79C1B06F9C0}"/>
+              </a:ext>
+            </a:extLst>
+          </p:cNvPr>
+          <p:cNvCxnSpPr>
+            <a:cxnSpLocks/>
+          </p:cNvCxnSpPr>
+          <p:nvPr/>
+        </p:nvCxnSpPr>
+        <p:spPr>
+          <a:xfrm>
+            <a:off x="4889241" y="5027457"/>
+            <a:ext cx="1385724" cy="141717"/>
+          </a:xfrm>
+          <a:prstGeom prst="line">
+            <a:avLst/>
+          </a:prstGeom>
+          <a:ln>
+            <a:solidFill>
+              <a:srgbClr val="FF0000"/>
+            </a:solidFill>
+          </a:ln>
+        </p:spPr>
+        <p:style>
+          <a:lnRef idx="1">
+            <a:schemeClr val="accent1"/>
+          </a:lnRef>
+          <a:fillRef idx="0">
+            <a:schemeClr val="accent1"/>
+          </a:fillRef>
+          <a:effectRef idx="0">
+            <a:schemeClr val="accent1"/>
+          </a:effectRef>
+          <a:fontRef idx="minor">
+            <a:schemeClr val="tx1"/>
+          </a:fontRef>
+        </p:style>
+      </p:cxnSp>
+      <p:sp>
+        <p:nvSpPr>
+          <p:cNvPr id="12" name="TextBox 11">
+            <a:extLst>
+              <a:ext uri="{FF2B5EF4-FFF2-40B4-BE49-F238E27FC236}">
+                <a16:creationId xmlns:a16="http://schemas.microsoft.com/office/drawing/2014/main" id="{B9B1F93F-71F9-42D3-9ED5-B57DC16F8957}"/>
+              </a:ext>
+            </a:extLst>
+          </p:cNvPr>
+          <p:cNvSpPr txBox="1"/>
+          <p:nvPr/>
+        </p:nvSpPr>
+        <p:spPr>
+          <a:xfrm>
+            <a:off x="5063617" y="5079789"/>
+            <a:ext cx="1879134" cy="369332"/>
+          </a:xfrm>
+          <a:prstGeom prst="rect">
+            <a:avLst/>
+          </a:prstGeom>
+          <a:noFill/>
+        </p:spPr>
+        <p:txBody>
+          <a:bodyPr wrap="square" rtlCol="0">
+            <a:spAutoFit/>
+          </a:bodyPr>
+          <a:lstStyle/>
+          <a:p>
+            <a:r>
+              <a:rPr lang="da-DK" dirty="0"/>
+              <a:t>Lectures</a:t>
+            </a:r>
+          </a:p>
+        </p:txBody>
+      </p:sp>
+      <p:sp>
+        <p:nvSpPr>
+          <p:cNvPr id="13" name="TextBox 12">
+            <a:extLst>
+              <a:ext uri="{FF2B5EF4-FFF2-40B4-BE49-F238E27FC236}">
+                <a16:creationId xmlns:a16="http://schemas.microsoft.com/office/drawing/2014/main" id="{BAB22CFF-38B8-47BF-8A6F-96DE124143F7}"/>
+              </a:ext>
+            </a:extLst>
+          </p:cNvPr>
+          <p:cNvSpPr txBox="1"/>
+          <p:nvPr/>
+        </p:nvSpPr>
+        <p:spPr>
+          <a:xfrm rot="16200000">
+            <a:off x="2912997" y="3301031"/>
+            <a:ext cx="1879134" cy="369332"/>
+          </a:xfrm>
+          <a:prstGeom prst="rect">
+            <a:avLst/>
+          </a:prstGeom>
+          <a:noFill/>
+        </p:spPr>
+        <p:txBody>
+          <a:bodyPr wrap="square" rtlCol="0">
+            <a:spAutoFit/>
+          </a:bodyPr>
+          <a:lstStyle/>
+          <a:p>
+            <a:r>
+              <a:rPr lang="da-DK" dirty="0"/>
+              <a:t>Lectures</a:t>
+            </a:r>
+          </a:p>
+        </p:txBody>
+      </p:sp>
+      <p:cxnSp>
+        <p:nvCxnSpPr>
+          <p:cNvPr id="14" name="Straight Connector 13">
+            <a:extLst>
+              <a:ext uri="{FF2B5EF4-FFF2-40B4-BE49-F238E27FC236}">
+                <a16:creationId xmlns:a16="http://schemas.microsoft.com/office/drawing/2014/main" id="{26B5F4EA-DF51-438B-9760-2A7067BC651C}"/>
+              </a:ext>
+            </a:extLst>
+          </p:cNvPr>
+          <p:cNvCxnSpPr>
+            <a:cxnSpLocks/>
+          </p:cNvCxnSpPr>
+          <p:nvPr/>
+        </p:nvCxnSpPr>
+        <p:spPr>
+          <a:xfrm flipH="1" flipV="1">
+            <a:off x="4037231" y="3095538"/>
+            <a:ext cx="161343" cy="1568236"/>
+          </a:xfrm>
+          <a:prstGeom prst="line">
+            <a:avLst/>
+          </a:prstGeom>
+          <a:ln>
+            <a:solidFill>
+              <a:srgbClr val="FF0000"/>
+            </a:solidFill>
+          </a:ln>
+        </p:spPr>
+        <p:style>
+          <a:lnRef idx="1">
+            <a:schemeClr val="accent1"/>
+          </a:lnRef>
+          <a:fillRef idx="0">
+            <a:schemeClr val="accent1"/>
+          </a:fillRef>
+          <a:effectRef idx="0">
+            <a:schemeClr val="accent1"/>
+          </a:effectRef>
+          <a:fontRef idx="minor">
+            <a:schemeClr val="tx1"/>
+          </a:fontRef>
+        </p:style>
+      </p:cxnSp>
+      <p:cxnSp>
+        <p:nvCxnSpPr>
+          <p:cNvPr id="17" name="Straight Connector 16">
+            <a:extLst>
+              <a:ext uri="{FF2B5EF4-FFF2-40B4-BE49-F238E27FC236}">
+                <a16:creationId xmlns:a16="http://schemas.microsoft.com/office/drawing/2014/main" id="{91297627-1C24-42EB-9A87-5330790812FD}"/>
+              </a:ext>
+            </a:extLst>
+          </p:cNvPr>
+          <p:cNvCxnSpPr>
+            <a:cxnSpLocks/>
+          </p:cNvCxnSpPr>
+          <p:nvPr/>
+        </p:nvCxnSpPr>
+        <p:spPr>
+          <a:xfrm flipV="1">
+            <a:off x="4037230" y="3087149"/>
+            <a:ext cx="161344" cy="1568236"/>
+          </a:xfrm>
+          <a:prstGeom prst="line">
+            <a:avLst/>
+          </a:prstGeom>
+          <a:ln>
+            <a:solidFill>
+              <a:srgbClr val="FF0000"/>
+            </a:solidFill>
+          </a:ln>
+        </p:spPr>
+        <p:style>
+          <a:lnRef idx="1">
+            <a:schemeClr val="accent1"/>
+          </a:lnRef>
+          <a:fillRef idx="0">
+            <a:schemeClr val="accent1"/>
+          </a:fillRef>
+          <a:effectRef idx="0">
+            <a:schemeClr val="accent1"/>
+          </a:effectRef>
+          <a:fontRef idx="minor">
+            <a:schemeClr val="tx1"/>
+          </a:fontRef>
+        </p:style>
+      </p:cxnSp>
+    </p:spTree>
+    <p:extLst>
+      <p:ext uri="{BB962C8B-B14F-4D97-AF65-F5344CB8AC3E}">
+        <p14:creationId xmlns:p14="http://schemas.microsoft.com/office/powerpoint/2010/main" val="4288453569"/>
+      </p:ext>
+    </p:extLst>
+  </p:cSld>
+  <p:clrMapOvr>
+    <a:masterClrMapping/>
+  </p:clrMapOvr>
+</p:sld>
+</file>
+
+<file path=ppt/slides/slide6.xml><?xml version="1.0" encoding="utf-8"?>
+<p:sld xmlns:a="http://schemas.openxmlformats.org/drawingml/2006/main" xmlns:r="http://schemas.openxmlformats.org/officeDocument/2006/relationships" xmlns:p="http://schemas.openxmlformats.org/presentationml/2006/main">
+  <p:cSld>
+    <p:spTree>
+      <p:nvGrpSpPr>
+        <p:cNvPr id="1" name=""/>
+        <p:cNvGrpSpPr/>
+        <p:nvPr/>
+      </p:nvGrpSpPr>
+      <p:grpSpPr>
+        <a:xfrm>
+          <a:off x="0" y="0"/>
+          <a:ext cx="0" cy="0"/>
+          <a:chOff x="0" y="0"/>
+          <a:chExt cx="0" cy="0"/>
+        </a:xfrm>
+      </p:grpSpPr>
+      <p:sp>
+        <p:nvSpPr>
+          <p:cNvPr id="2" name="Title 1">
+            <a:extLst>
+              <a:ext uri="{FF2B5EF4-FFF2-40B4-BE49-F238E27FC236}">
+                <a16:creationId xmlns:a16="http://schemas.microsoft.com/office/drawing/2014/main" id="{C2890881-A8F3-4127-9EBC-5AACB76A56E0}"/>
+              </a:ext>
+            </a:extLst>
+          </p:cNvPr>
+          <p:cNvSpPr>
+            <a:spLocks noGrp="1"/>
+          </p:cNvSpPr>
+          <p:nvPr>
+            <p:ph type="title"/>
+          </p:nvPr>
+        </p:nvSpPr>
+        <p:spPr>
+          <a:xfrm>
+            <a:off x="838200" y="2766218"/>
+            <a:ext cx="10515600" cy="1325563"/>
+          </a:xfrm>
+        </p:spPr>
+        <p:txBody>
+          <a:bodyPr/>
+          <a:lstStyle/>
+          <a:p>
+            <a:r>
+              <a:rPr lang="da-DK" dirty="0"/>
+              <a:t>History of deep learning</a:t>
+            </a:r>
+          </a:p>
+        </p:txBody>
+      </p:sp>
+      <p:sp>
+        <p:nvSpPr>
+          <p:cNvPr id="4" name="Date Placeholder 3">
+            <a:extLst>
+              <a:ext uri="{FF2B5EF4-FFF2-40B4-BE49-F238E27FC236}">
+                <a16:creationId xmlns:a16="http://schemas.microsoft.com/office/drawing/2014/main" id="{6F8F8643-BC00-42A1-9723-B745437A984F}"/>
+              </a:ext>
+            </a:extLst>
+          </p:cNvPr>
+          <p:cNvSpPr>
+            <a:spLocks noGrp="1"/>
+          </p:cNvSpPr>
+          <p:nvPr>
+            <p:ph type="dt" sz="half" idx="10"/>
+          </p:nvPr>
+        </p:nvSpPr>
+        <p:spPr/>
+        <p:txBody>
+          <a:bodyPr/>
+          <a:lstStyle/>
+          <a:p>
+            <a:fld id="{019E29B9-5584-4737-9C98-1B926378C778}" type="datetime1">
+              <a:rPr lang="en-US" smtClean="0"/>
+              <a:t>4/28/2021</a:t>
+            </a:fld>
+            <a:endParaRPr lang="da-DK"/>
+          </a:p>
+        </p:txBody>
+      </p:sp>
+      <p:sp>
+        <p:nvSpPr>
+          <p:cNvPr id="5" name="Footer Placeholder 4">
+            <a:extLst>
+              <a:ext uri="{FF2B5EF4-FFF2-40B4-BE49-F238E27FC236}">
+                <a16:creationId xmlns:a16="http://schemas.microsoft.com/office/drawing/2014/main" id="{7F6747D3-8B4C-43D1-94B5-2BF43D7FCA58}"/>
+              </a:ext>
+            </a:extLst>
+          </p:cNvPr>
+          <p:cNvSpPr>
+            <a:spLocks noGrp="1"/>
+          </p:cNvSpPr>
+          <p:nvPr>
+            <p:ph type="ftr" sz="quarter" idx="11"/>
+          </p:nvPr>
+        </p:nvSpPr>
+        <p:spPr/>
+        <p:txBody>
+          <a:bodyPr/>
+          <a:lstStyle/>
+          <a:p>
+            <a:r>
+              <a:rPr lang="da-DK"/>
+              <a:t>Nicki Skafte Detlefsen</a:t>
+            </a:r>
+          </a:p>
+        </p:txBody>
+      </p:sp>
+      <p:sp>
+        <p:nvSpPr>
+          <p:cNvPr id="6" name="Slide Number Placeholder 5">
+            <a:extLst>
+              <a:ext uri="{FF2B5EF4-FFF2-40B4-BE49-F238E27FC236}">
+                <a16:creationId xmlns:a16="http://schemas.microsoft.com/office/drawing/2014/main" id="{CC6726FE-8275-418C-AD9E-E8EABBB18C8F}"/>
+              </a:ext>
+            </a:extLst>
+          </p:cNvPr>
+          <p:cNvSpPr>
+            <a:spLocks noGrp="1"/>
+          </p:cNvSpPr>
+          <p:nvPr>
+            <p:ph type="sldNum" sz="quarter" idx="12"/>
+          </p:nvPr>
+        </p:nvSpPr>
+        <p:spPr/>
+        <p:txBody>
+          <a:bodyPr/>
+          <a:lstStyle/>
+          <a:p>
+            <a:fld id="{F6FEDE24-D50C-481B-A7B4-8AF13899101A}" type="slidenum">
+              <a:rPr lang="da-DK" smtClean="0"/>
+              <a:t>6</a:t>
+            </a:fld>
+            <a:endParaRPr lang="da-DK"/>
+          </a:p>
+        </p:txBody>
+      </p:sp>
+    </p:spTree>
+    <p:extLst>
+      <p:ext uri="{BB962C8B-B14F-4D97-AF65-F5344CB8AC3E}">
+        <p14:creationId xmlns:p14="http://schemas.microsoft.com/office/powerpoint/2010/main" val="2360885756"/>
+      </p:ext>
+    </p:extLst>
+  </p:cSld>
+  <p:clrMapOvr>
+    <a:masterClrMapping/>
+  </p:clrMapOvr>
+</p:sld>
+</file>
+
+<file path=ppt/slides/slide7.xml><?xml version="1.0" encoding="utf-8"?>
+<p:sld xmlns:a="http://schemas.openxmlformats.org/drawingml/2006/main" xmlns:r="http://schemas.openxmlformats.org/officeDocument/2006/relationships" xmlns:p="http://schemas.openxmlformats.org/presentationml/2006/main">
+  <p:cSld>
+    <p:spTree>
+      <p:nvGrpSpPr>
+        <p:cNvPr id="1" name=""/>
+        <p:cNvGrpSpPr/>
+        <p:nvPr/>
+      </p:nvGrpSpPr>
+      <p:grpSpPr>
+        <a:xfrm>
+          <a:off x="0" y="0"/>
+          <a:ext cx="0" cy="0"/>
+          <a:chOff x="0" y="0"/>
+          <a:chExt cx="0" cy="0"/>
+        </a:xfrm>
+      </p:grpSpPr>
+      <p:sp>
+        <p:nvSpPr>
+          <p:cNvPr id="2" name="Title 1">
+            <a:extLst>
+              <a:ext uri="{FF2B5EF4-FFF2-40B4-BE49-F238E27FC236}">
+                <a16:creationId xmlns:a16="http://schemas.microsoft.com/office/drawing/2014/main" id="{AFA3FB33-E459-44C2-8C3E-2980164944DF}"/>
+              </a:ext>
+            </a:extLst>
+          </p:cNvPr>
+          <p:cNvSpPr>
+            <a:spLocks noGrp="1"/>
+          </p:cNvSpPr>
+          <p:nvPr>
+            <p:ph type="title"/>
+          </p:nvPr>
+        </p:nvSpPr>
+        <p:spPr/>
+        <p:txBody>
+          <a:bodyPr/>
+          <a:lstStyle/>
+          <a:p>
+            <a:r>
+              <a:rPr lang="da-DK" dirty="0"/>
+              <a:t>History of deep learning</a:t>
+            </a:r>
+          </a:p>
+        </p:txBody>
+      </p:sp>
+      <p:sp>
+        <p:nvSpPr>
+          <p:cNvPr id="3" name="Content Placeholder 2">
+            <a:extLst>
+              <a:ext uri="{FF2B5EF4-FFF2-40B4-BE49-F238E27FC236}">
+                <a16:creationId xmlns:a16="http://schemas.microsoft.com/office/drawing/2014/main" id="{E0F4738D-97BD-4C83-B3F1-645790055083}"/>
+              </a:ext>
+            </a:extLst>
+          </p:cNvPr>
+          <p:cNvSpPr>
+            <a:spLocks noGrp="1"/>
+          </p:cNvSpPr>
+          <p:nvPr>
+            <p:ph idx="1"/>
+          </p:nvPr>
+        </p:nvSpPr>
+        <p:spPr/>
+        <p:txBody>
+          <a:bodyPr/>
+          <a:lstStyle/>
+          <a:p>
+            <a:endParaRPr lang="da-DK"/>
+          </a:p>
+        </p:txBody>
+      </p:sp>
+      <p:sp>
+        <p:nvSpPr>
+          <p:cNvPr id="4" name="Date Placeholder 3">
+            <a:extLst>
+              <a:ext uri="{FF2B5EF4-FFF2-40B4-BE49-F238E27FC236}">
+                <a16:creationId xmlns:a16="http://schemas.microsoft.com/office/drawing/2014/main" id="{8FDE3585-E720-46C0-833E-F175CF8BA031}"/>
+              </a:ext>
+            </a:extLst>
+          </p:cNvPr>
+          <p:cNvSpPr>
+            <a:spLocks noGrp="1"/>
+          </p:cNvSpPr>
+          <p:nvPr>
+            <p:ph type="dt" sz="half" idx="10"/>
+          </p:nvPr>
+        </p:nvSpPr>
+        <p:spPr/>
+        <p:txBody>
+          <a:bodyPr/>
+          <a:lstStyle/>
+          <a:p>
+            <a:fld id="{019E29B9-5584-4737-9C98-1B926378C778}" type="datetime1">
+              <a:rPr lang="en-US" smtClean="0"/>
+              <a:t>4/28/2021</a:t>
+            </a:fld>
+            <a:endParaRPr lang="da-DK"/>
+          </a:p>
+        </p:txBody>
+      </p:sp>
+      <p:sp>
+        <p:nvSpPr>
+          <p:cNvPr id="5" name="Footer Placeholder 4">
+            <a:extLst>
+              <a:ext uri="{FF2B5EF4-FFF2-40B4-BE49-F238E27FC236}">
+                <a16:creationId xmlns:a16="http://schemas.microsoft.com/office/drawing/2014/main" id="{767C9310-195E-4210-AADE-3C5DE42CF185}"/>
+              </a:ext>
+            </a:extLst>
+          </p:cNvPr>
+          <p:cNvSpPr>
+            <a:spLocks noGrp="1"/>
+          </p:cNvSpPr>
+          <p:nvPr>
+            <p:ph type="ftr" sz="quarter" idx="11"/>
+          </p:nvPr>
+        </p:nvSpPr>
+        <p:spPr/>
+        <p:txBody>
+          <a:bodyPr/>
+          <a:lstStyle/>
+          <a:p>
+            <a:r>
+              <a:rPr lang="da-DK"/>
+              <a:t>Nicki Skafte Detlefsen</a:t>
+            </a:r>
+          </a:p>
+        </p:txBody>
+      </p:sp>
+      <p:sp>
+        <p:nvSpPr>
+          <p:cNvPr id="6" name="Slide Number Placeholder 5">
+            <a:extLst>
+              <a:ext uri="{FF2B5EF4-FFF2-40B4-BE49-F238E27FC236}">
+                <a16:creationId xmlns:a16="http://schemas.microsoft.com/office/drawing/2014/main" id="{2B37452C-28B9-4BDA-AAC9-2F25A667A22F}"/>
+              </a:ext>
+            </a:extLst>
+          </p:cNvPr>
+          <p:cNvSpPr>
+            <a:spLocks noGrp="1"/>
+          </p:cNvSpPr>
+          <p:nvPr>
+            <p:ph type="sldNum" sz="quarter" idx="12"/>
+          </p:nvPr>
+        </p:nvSpPr>
+        <p:spPr/>
+        <p:txBody>
+          <a:bodyPr/>
+          <a:lstStyle/>
+          <a:p>
+            <a:fld id="{F6FEDE24-D50C-481B-A7B4-8AF13899101A}" type="slidenum">
+              <a:rPr lang="da-DK" smtClean="0"/>
+              <a:t>7</a:t>
             </a:fld>
             <a:endParaRPr lang="da-DK"/>
           </a:p>
@@ -4332,7 +6919,7 @@
 </p:sld>
 </file>
 
-<file path=ppt/slides/slide3.xml><?xml version="1.0" encoding="utf-8"?>
+<file path=ppt/slides/slide8.xml><?xml version="1.0" encoding="utf-8"?>
 <p:sld xmlns:a="http://schemas.openxmlformats.org/drawingml/2006/main" xmlns:r="http://schemas.openxmlformats.org/officeDocument/2006/relationships" xmlns:p="http://schemas.openxmlformats.org/presentationml/2006/main">
   <p:cSld>
     <p:bg>
@@ -4443,7 +7030,7 @@
           <a:p>
             <a:fld id="{0DE03C17-2118-466B-9E30-BC2A82864501}" type="datetime1">
               <a:rPr lang="en-US" smtClean="0"/>
-              <a:t>4/7/2021</a:t>
+              <a:t>4/28/2021</a:t>
             </a:fld>
             <a:endParaRPr lang="da-DK"/>
           </a:p>
@@ -4472,7 +7059,7 @@
           <a:p>
             <a:fld id="{F6FEDE24-D50C-481B-A7B4-8AF13899101A}" type="slidenum">
               <a:rPr lang="da-DK" smtClean="0"/>
-              <a:t>3</a:t>
+              <a:t>8</a:t>
             </a:fld>
             <a:endParaRPr lang="da-DK"/>
           </a:p>
@@ -4519,7 +7106,7 @@
 </p:sld>
 </file>
 
-<file path=ppt/slides/slide4.xml><?xml version="1.0" encoding="utf-8"?>
+<file path=ppt/slides/slide9.xml><?xml version="1.0" encoding="utf-8"?>
 <p:sld xmlns:a="http://schemas.openxmlformats.org/drawingml/2006/main" xmlns:r="http://schemas.openxmlformats.org/officeDocument/2006/relationships" xmlns:p="http://schemas.openxmlformats.org/presentationml/2006/main">
   <p:cSld>
     <p:spTree>
@@ -4587,7 +7174,7 @@
           <a:p>
             <a:fld id="{019E29B9-5584-4737-9C98-1B926378C778}" type="datetime1">
               <a:rPr lang="en-US" smtClean="0"/>
-              <a:t>4/7/2021</a:t>
+              <a:t>4/28/2021</a:t>
             </a:fld>
             <a:endParaRPr lang="da-DK"/>
           </a:p>
@@ -4644,7 +7231,7 @@
           <a:p>
             <a:fld id="{F6FEDE24-D50C-481B-A7B4-8AF13899101A}" type="slidenum">
               <a:rPr lang="da-DK" smtClean="0"/>
-              <a:t>4</a:t>
+              <a:t>9</a:t>
             </a:fld>
             <a:endParaRPr lang="da-DK"/>
           </a:p>
@@ -5070,633 +7657,22 @@
           </a:p>
         </p:txBody>
       </p:sp>
-    </p:spTree>
-    <p:extLst>
-      <p:ext uri="{BB962C8B-B14F-4D97-AF65-F5344CB8AC3E}">
-        <p14:creationId xmlns:p14="http://schemas.microsoft.com/office/powerpoint/2010/main" val="4129615894"/>
-      </p:ext>
-    </p:extLst>
-  </p:cSld>
-  <p:clrMapOvr>
-    <a:masterClrMapping/>
-  </p:clrMapOvr>
-</p:sld>
-</file>
-
-<file path=ppt/slides/slide5.xml><?xml version="1.0" encoding="utf-8"?>
-<p:sld xmlns:a="http://schemas.openxmlformats.org/drawingml/2006/main" xmlns:r="http://schemas.openxmlformats.org/officeDocument/2006/relationships" xmlns:p="http://schemas.openxmlformats.org/presentationml/2006/main">
-  <p:cSld>
-    <p:spTree>
-      <p:nvGrpSpPr>
-        <p:cNvPr id="1" name=""/>
-        <p:cNvGrpSpPr/>
-        <p:nvPr/>
-      </p:nvGrpSpPr>
-      <p:grpSpPr>
-        <a:xfrm>
-          <a:off x="0" y="0"/>
-          <a:ext cx="0" cy="0"/>
-          <a:chOff x="0" y="0"/>
-          <a:chExt cx="0" cy="0"/>
-        </a:xfrm>
-      </p:grpSpPr>
-      <p:sp>
-        <p:nvSpPr>
-          <p:cNvPr id="2" name="Title 1">
-            <a:extLst>
-              <a:ext uri="{FF2B5EF4-FFF2-40B4-BE49-F238E27FC236}">
-                <a16:creationId xmlns:a16="http://schemas.microsoft.com/office/drawing/2014/main" id="{1EE4E3C0-9513-4612-BAEF-F687A80219EA}"/>
-              </a:ext>
-            </a:extLst>
-          </p:cNvPr>
-          <p:cNvSpPr>
-            <a:spLocks noGrp="1"/>
-          </p:cNvSpPr>
-          <p:nvPr>
-            <p:ph type="title"/>
-          </p:nvPr>
-        </p:nvSpPr>
-        <p:spPr/>
-        <p:txBody>
-          <a:bodyPr/>
-          <a:lstStyle/>
-          <a:p>
-            <a:r>
-              <a:rPr lang="da-DK" dirty="0"/>
-              <a:t>Why you should jump the weagon</a:t>
-            </a:r>
-          </a:p>
-        </p:txBody>
-      </p:sp>
-      <p:sp>
-        <p:nvSpPr>
-          <p:cNvPr id="3" name="Content Placeholder 2">
-            <a:extLst>
-              <a:ext uri="{FF2B5EF4-FFF2-40B4-BE49-F238E27FC236}">
-                <a16:creationId xmlns:a16="http://schemas.microsoft.com/office/drawing/2014/main" id="{1DB6029A-5B72-4920-B86B-74791CB04F99}"/>
-              </a:ext>
-            </a:extLst>
-          </p:cNvPr>
-          <p:cNvSpPr>
-            <a:spLocks noGrp="1"/>
-          </p:cNvSpPr>
-          <p:nvPr>
-            <p:ph idx="1"/>
-          </p:nvPr>
-        </p:nvSpPr>
-        <p:spPr/>
-        <p:txBody>
-          <a:bodyPr/>
-          <a:lstStyle/>
-          <a:p>
-            <a:pPr marL="0" indent="0">
-              <a:buNone/>
-            </a:pPr>
-            <a:r>
-              <a:rPr lang="en-US" dirty="0"/>
-              <a:t>“… the deep learning market is expected  to be worth USD 1,722.9 Million by 2022”</a:t>
-            </a:r>
-            <a:endParaRPr lang="da-DK" dirty="0"/>
-          </a:p>
-        </p:txBody>
-      </p:sp>
-      <p:sp>
-        <p:nvSpPr>
-          <p:cNvPr id="4" name="Date Placeholder 3">
-            <a:extLst>
-              <a:ext uri="{FF2B5EF4-FFF2-40B4-BE49-F238E27FC236}">
-                <a16:creationId xmlns:a16="http://schemas.microsoft.com/office/drawing/2014/main" id="{A7C40FB7-2CC1-45D0-9E13-E5D78F9DC23A}"/>
-              </a:ext>
-            </a:extLst>
-          </p:cNvPr>
-          <p:cNvSpPr>
-            <a:spLocks noGrp="1"/>
-          </p:cNvSpPr>
-          <p:nvPr>
-            <p:ph type="dt" sz="half" idx="10"/>
-          </p:nvPr>
-        </p:nvSpPr>
-        <p:spPr/>
-        <p:txBody>
-          <a:bodyPr/>
-          <a:lstStyle/>
-          <a:p>
-            <a:fld id="{019E29B9-5584-4737-9C98-1B926378C778}" type="datetime1">
-              <a:rPr lang="en-US" smtClean="0"/>
-              <a:t>4/7/2021</a:t>
-            </a:fld>
-            <a:endParaRPr lang="da-DK"/>
-          </a:p>
-        </p:txBody>
-      </p:sp>
-      <p:sp>
-        <p:nvSpPr>
-          <p:cNvPr id="5" name="Footer Placeholder 4">
-            <a:extLst>
-              <a:ext uri="{FF2B5EF4-FFF2-40B4-BE49-F238E27FC236}">
-                <a16:creationId xmlns:a16="http://schemas.microsoft.com/office/drawing/2014/main" id="{8D4D23E6-59F9-49C7-9332-F85A73080B10}"/>
-              </a:ext>
-            </a:extLst>
-          </p:cNvPr>
-          <p:cNvSpPr>
-            <a:spLocks noGrp="1"/>
-          </p:cNvSpPr>
-          <p:nvPr>
-            <p:ph type="ftr" sz="quarter" idx="11"/>
-          </p:nvPr>
-        </p:nvSpPr>
-        <p:spPr/>
-        <p:txBody>
-          <a:bodyPr/>
-          <a:lstStyle/>
-          <a:p>
-            <a:r>
-              <a:rPr lang="da-DK"/>
-              <a:t>Nicki Skafte Detlefsen</a:t>
-            </a:r>
-          </a:p>
-        </p:txBody>
-      </p:sp>
-      <p:sp>
-        <p:nvSpPr>
-          <p:cNvPr id="6" name="Slide Number Placeholder 5">
-            <a:extLst>
-              <a:ext uri="{FF2B5EF4-FFF2-40B4-BE49-F238E27FC236}">
-                <a16:creationId xmlns:a16="http://schemas.microsoft.com/office/drawing/2014/main" id="{8800601B-F420-4DA6-A221-D5E73066FCFD}"/>
-              </a:ext>
-            </a:extLst>
-          </p:cNvPr>
-          <p:cNvSpPr>
-            <a:spLocks noGrp="1"/>
-          </p:cNvSpPr>
-          <p:nvPr>
-            <p:ph type="sldNum" sz="quarter" idx="12"/>
-          </p:nvPr>
-        </p:nvSpPr>
-        <p:spPr/>
-        <p:txBody>
-          <a:bodyPr/>
-          <a:lstStyle/>
-          <a:p>
-            <a:fld id="{F6FEDE24-D50C-481B-A7B4-8AF13899101A}" type="slidenum">
-              <a:rPr lang="da-DK" smtClean="0"/>
-              <a:t>5</a:t>
-            </a:fld>
-            <a:endParaRPr lang="da-DK"/>
-          </a:p>
-        </p:txBody>
-      </p:sp>
-      <p:pic>
-        <p:nvPicPr>
-          <p:cNvPr id="8" name="Picture 7">
-            <a:extLst>
-              <a:ext uri="{FF2B5EF4-FFF2-40B4-BE49-F238E27FC236}">
-                <a16:creationId xmlns:a16="http://schemas.microsoft.com/office/drawing/2014/main" id="{2D847BFE-0636-4F2D-A2AF-D786777893AB}"/>
-              </a:ext>
-            </a:extLst>
-          </p:cNvPr>
-          <p:cNvPicPr>
-            <a:picLocks noChangeAspect="1"/>
-          </p:cNvPicPr>
+      <p:sp>
+        <p:nvSpPr>
+          <p:cNvPr id="3" name="Rectangle 2">
+            <a:extLst>
+              <a:ext uri="{FF2B5EF4-FFF2-40B4-BE49-F238E27FC236}">
+                <a16:creationId xmlns:a16="http://schemas.microsoft.com/office/drawing/2014/main" id="{9D4F7AA3-35FF-45F8-A861-F9B7D7478D2C}"/>
+              </a:ext>
+            </a:extLst>
+          </p:cNvPr>
+          <p:cNvSpPr/>
           <p:nvPr/>
-        </p:nvPicPr>
-        <p:blipFill>
-          <a:blip r:embed="rId2"/>
-          <a:stretch>
-            <a:fillRect/>
-          </a:stretch>
-        </p:blipFill>
+        </p:nvSpPr>
         <p:spPr>
           <a:xfrm>
-            <a:off x="2654285" y="2234136"/>
-            <a:ext cx="7000875" cy="3648075"/>
-          </a:xfrm>
-          <a:prstGeom prst="rect">
-            <a:avLst/>
-          </a:prstGeom>
-        </p:spPr>
-      </p:pic>
-    </p:spTree>
-    <p:extLst>
-      <p:ext uri="{BB962C8B-B14F-4D97-AF65-F5344CB8AC3E}">
-        <p14:creationId xmlns:p14="http://schemas.microsoft.com/office/powerpoint/2010/main" val="2614854895"/>
-      </p:ext>
-    </p:extLst>
-  </p:cSld>
-  <p:clrMapOvr>
-    <a:masterClrMapping/>
-  </p:clrMapOvr>
-</p:sld>
-</file>
-
-<file path=ppt/slides/slide6.xml><?xml version="1.0" encoding="utf-8"?>
-<p:sld xmlns:a="http://schemas.openxmlformats.org/drawingml/2006/main" xmlns:r="http://schemas.openxmlformats.org/officeDocument/2006/relationships" xmlns:p="http://schemas.openxmlformats.org/presentationml/2006/main">
-  <p:cSld>
-    <p:spTree>
-      <p:nvGrpSpPr>
-        <p:cNvPr id="1" name=""/>
-        <p:cNvGrpSpPr/>
-        <p:nvPr/>
-      </p:nvGrpSpPr>
-      <p:grpSpPr>
-        <a:xfrm>
-          <a:off x="0" y="0"/>
-          <a:ext cx="0" cy="0"/>
-          <a:chOff x="0" y="0"/>
-          <a:chExt cx="0" cy="0"/>
-        </a:xfrm>
-      </p:grpSpPr>
-      <p:sp>
-        <p:nvSpPr>
-          <p:cNvPr id="2" name="Title 1">
-            <a:extLst>
-              <a:ext uri="{FF2B5EF4-FFF2-40B4-BE49-F238E27FC236}">
-                <a16:creationId xmlns:a16="http://schemas.microsoft.com/office/drawing/2014/main" id="{301795A4-297C-485D-BCB9-AC3115206278}"/>
-              </a:ext>
-            </a:extLst>
-          </p:cNvPr>
-          <p:cNvSpPr>
-            <a:spLocks noGrp="1"/>
-          </p:cNvSpPr>
-          <p:nvPr>
-            <p:ph type="title"/>
-          </p:nvPr>
-        </p:nvSpPr>
-        <p:spPr/>
-        <p:txBody>
-          <a:bodyPr/>
-          <a:lstStyle/>
-          <a:p>
-            <a:r>
-              <a:rPr lang="da-DK" dirty="0"/>
-              <a:t>The DL software landscape</a:t>
-            </a:r>
-          </a:p>
-        </p:txBody>
-      </p:sp>
-      <p:sp>
-        <p:nvSpPr>
-          <p:cNvPr id="3" name="Content Placeholder 2">
-            <a:extLst>
-              <a:ext uri="{FF2B5EF4-FFF2-40B4-BE49-F238E27FC236}">
-                <a16:creationId xmlns:a16="http://schemas.microsoft.com/office/drawing/2014/main" id="{F78455D9-15A8-4A40-B2AE-F8917747EC1F}"/>
-              </a:ext>
-            </a:extLst>
-          </p:cNvPr>
-          <p:cNvSpPr>
-            <a:spLocks noGrp="1"/>
-          </p:cNvSpPr>
-          <p:nvPr>
-            <p:ph idx="1"/>
-          </p:nvPr>
-        </p:nvSpPr>
-        <p:spPr/>
-        <p:txBody>
-          <a:bodyPr/>
-          <a:lstStyle/>
-          <a:p>
-            <a:pPr marL="0" indent="0">
-              <a:buNone/>
-            </a:pPr>
-            <a:endParaRPr lang="da-DK" dirty="0"/>
-          </a:p>
-          <a:p>
-            <a:pPr marL="0" indent="0">
-              <a:buNone/>
-            </a:pPr>
-            <a:endParaRPr lang="da-DK" dirty="0"/>
-          </a:p>
-          <a:p>
-            <a:pPr marL="0" indent="0">
-              <a:buNone/>
-            </a:pPr>
-            <a:endParaRPr lang="da-DK" dirty="0"/>
-          </a:p>
-          <a:p>
-            <a:pPr marL="0" indent="0">
-              <a:buNone/>
-            </a:pPr>
-            <a:endParaRPr lang="da-DK" dirty="0"/>
-          </a:p>
-          <a:p>
-            <a:pPr marL="0" indent="0">
-              <a:buNone/>
-            </a:pPr>
-            <a:endParaRPr lang="da-DK" dirty="0"/>
-          </a:p>
-          <a:p>
-            <a:pPr marL="0" indent="0">
-              <a:buNone/>
-            </a:pPr>
-            <a:r>
-              <a:rPr lang="da-DK" dirty="0"/>
-              <a:t>No point in discussion who is best. The (biased) facts are:</a:t>
-            </a:r>
-          </a:p>
-          <a:p>
-            <a:r>
-              <a:rPr lang="da-DK" dirty="0"/>
-              <a:t>Tensorflow are too a large extend used in production</a:t>
-            </a:r>
-          </a:p>
-          <a:p>
-            <a:r>
-              <a:rPr lang="da-DK" dirty="0"/>
-              <a:t>Pytorch is used in research</a:t>
-            </a:r>
-          </a:p>
-        </p:txBody>
-      </p:sp>
-      <p:sp>
-        <p:nvSpPr>
-          <p:cNvPr id="4" name="Date Placeholder 3">
-            <a:extLst>
-              <a:ext uri="{FF2B5EF4-FFF2-40B4-BE49-F238E27FC236}">
-                <a16:creationId xmlns:a16="http://schemas.microsoft.com/office/drawing/2014/main" id="{2974D1B7-0321-40DF-AF1C-5A1E63077A51}"/>
-              </a:ext>
-            </a:extLst>
-          </p:cNvPr>
-          <p:cNvSpPr>
-            <a:spLocks noGrp="1"/>
-          </p:cNvSpPr>
-          <p:nvPr>
-            <p:ph type="dt" sz="half" idx="10"/>
-          </p:nvPr>
-        </p:nvSpPr>
-        <p:spPr/>
-        <p:txBody>
-          <a:bodyPr/>
-          <a:lstStyle/>
-          <a:p>
-            <a:fld id="{019E29B9-5584-4737-9C98-1B926378C778}" type="datetime1">
-              <a:rPr lang="en-US" smtClean="0"/>
-              <a:t>4/7/2021</a:t>
-            </a:fld>
-            <a:endParaRPr lang="da-DK"/>
-          </a:p>
-        </p:txBody>
-      </p:sp>
-      <p:sp>
-        <p:nvSpPr>
-          <p:cNvPr id="5" name="Footer Placeholder 4">
-            <a:extLst>
-              <a:ext uri="{FF2B5EF4-FFF2-40B4-BE49-F238E27FC236}">
-                <a16:creationId xmlns:a16="http://schemas.microsoft.com/office/drawing/2014/main" id="{4305BE43-ABEA-48F8-911A-54D2FD760753}"/>
-              </a:ext>
-            </a:extLst>
-          </p:cNvPr>
-          <p:cNvSpPr>
-            <a:spLocks noGrp="1"/>
-          </p:cNvSpPr>
-          <p:nvPr>
-            <p:ph type="ftr" sz="quarter" idx="11"/>
-          </p:nvPr>
-        </p:nvSpPr>
-        <p:spPr/>
-        <p:txBody>
-          <a:bodyPr/>
-          <a:lstStyle/>
-          <a:p>
-            <a:r>
-              <a:rPr lang="da-DK"/>
-              <a:t>Nicki Skafte Detlefsen</a:t>
-            </a:r>
-          </a:p>
-        </p:txBody>
-      </p:sp>
-      <p:sp>
-        <p:nvSpPr>
-          <p:cNvPr id="6" name="Slide Number Placeholder 5">
-            <a:extLst>
-              <a:ext uri="{FF2B5EF4-FFF2-40B4-BE49-F238E27FC236}">
-                <a16:creationId xmlns:a16="http://schemas.microsoft.com/office/drawing/2014/main" id="{BF0F5E20-9EF4-4714-A060-B1F556270182}"/>
-              </a:ext>
-            </a:extLst>
-          </p:cNvPr>
-          <p:cNvSpPr>
-            <a:spLocks noGrp="1"/>
-          </p:cNvSpPr>
-          <p:nvPr>
-            <p:ph type="sldNum" sz="quarter" idx="12"/>
-          </p:nvPr>
-        </p:nvSpPr>
-        <p:spPr/>
-        <p:txBody>
-          <a:bodyPr/>
-          <a:lstStyle/>
-          <a:p>
-            <a:fld id="{F6FEDE24-D50C-481B-A7B4-8AF13899101A}" type="slidenum">
-              <a:rPr lang="da-DK" smtClean="0"/>
-              <a:t>6</a:t>
-            </a:fld>
-            <a:endParaRPr lang="da-DK"/>
-          </a:p>
-        </p:txBody>
-      </p:sp>
-      <p:pic>
-        <p:nvPicPr>
-          <p:cNvPr id="7" name="Picture 4" descr="TensorFlow">
-            <a:extLst>
-              <a:ext uri="{FF2B5EF4-FFF2-40B4-BE49-F238E27FC236}">
-                <a16:creationId xmlns:a16="http://schemas.microsoft.com/office/drawing/2014/main" id="{D2CCE73B-D45C-4D87-8AFB-3584F025D283}"/>
-              </a:ext>
-            </a:extLst>
-          </p:cNvPr>
-          <p:cNvPicPr>
-            <a:picLocks noChangeAspect="1" noChangeArrowheads="1"/>
-          </p:cNvPicPr>
-          <p:nvPr/>
-        </p:nvPicPr>
-        <p:blipFill>
-          <a:blip r:embed="rId2">
-            <a:extLst>
-              <a:ext uri="{28A0092B-C50C-407E-A947-70E740481C1C}">
-                <a14:useLocalDpi xmlns:a14="http://schemas.microsoft.com/office/drawing/2010/main" val="0"/>
-              </a:ext>
-            </a:extLst>
-          </a:blip>
-          <a:srcRect/>
-          <a:stretch>
-            <a:fillRect/>
-          </a:stretch>
-        </p:blipFill>
-        <p:spPr bwMode="auto">
-          <a:xfrm>
-            <a:off x="1590675" y="2169150"/>
-            <a:ext cx="2857500" cy="1600200"/>
-          </a:xfrm>
-          <a:prstGeom prst="rect">
-            <a:avLst/>
-          </a:prstGeom>
-          <a:noFill/>
-          <a:extLst>
-            <a:ext uri="{909E8E84-426E-40DD-AFC4-6F175D3DCCD1}">
-              <a14:hiddenFill xmlns:a14="http://schemas.microsoft.com/office/drawing/2010/main">
-                <a:solidFill>
-                  <a:srgbClr val="FFFFFF"/>
-                </a:solidFill>
-              </a14:hiddenFill>
-            </a:ext>
-          </a:extLst>
-        </p:spPr>
-      </p:pic>
-      <p:pic>
-        <p:nvPicPr>
-          <p:cNvPr id="8" name="Picture 6" descr="Google">
-            <a:extLst>
-              <a:ext uri="{FF2B5EF4-FFF2-40B4-BE49-F238E27FC236}">
-                <a16:creationId xmlns:a16="http://schemas.microsoft.com/office/drawing/2014/main" id="{3F1A20E6-D5A4-4B5F-B7B1-D3A632D51848}"/>
-              </a:ext>
-            </a:extLst>
-          </p:cNvPr>
-          <p:cNvPicPr>
-            <a:picLocks noChangeAspect="1" noChangeArrowheads="1"/>
-          </p:cNvPicPr>
-          <p:nvPr/>
-        </p:nvPicPr>
-        <p:blipFill>
-          <a:blip r:embed="rId3">
-            <a:extLst>
-              <a:ext uri="{28A0092B-C50C-407E-A947-70E740481C1C}">
-                <a14:useLocalDpi xmlns:a14="http://schemas.microsoft.com/office/drawing/2010/main" val="0"/>
-              </a:ext>
-            </a:extLst>
-          </a:blip>
-          <a:srcRect/>
-          <a:stretch>
-            <a:fillRect/>
-          </a:stretch>
-        </p:blipFill>
-        <p:spPr bwMode="auto">
-          <a:xfrm>
-            <a:off x="1590675" y="1145213"/>
-            <a:ext cx="3048000" cy="1066800"/>
-          </a:xfrm>
-          <a:prstGeom prst="rect">
-            <a:avLst/>
-          </a:prstGeom>
-          <a:noFill/>
-          <a:extLst>
-            <a:ext uri="{909E8E84-426E-40DD-AFC4-6F175D3DCCD1}">
-              <a14:hiddenFill xmlns:a14="http://schemas.microsoft.com/office/drawing/2010/main">
-                <a:solidFill>
-                  <a:srgbClr val="FFFFFF"/>
-                </a:solidFill>
-              </a14:hiddenFill>
-            </a:ext>
-          </a:extLst>
-        </p:spPr>
-      </p:pic>
-      <p:pic>
-        <p:nvPicPr>
-          <p:cNvPr id="9" name="Picture 8" descr="Facebook - Wikipedia, den frie encyklopædi">
-            <a:extLst>
-              <a:ext uri="{FF2B5EF4-FFF2-40B4-BE49-F238E27FC236}">
-                <a16:creationId xmlns:a16="http://schemas.microsoft.com/office/drawing/2014/main" id="{7962CBE2-7EBD-480E-87A9-B60A77EA3CA1}"/>
-              </a:ext>
-            </a:extLst>
-          </p:cNvPr>
-          <p:cNvPicPr>
-            <a:picLocks noChangeAspect="1" noChangeArrowheads="1"/>
-          </p:cNvPicPr>
-          <p:nvPr/>
-        </p:nvPicPr>
-        <p:blipFill>
-          <a:blip r:embed="rId4">
-            <a:extLst>
-              <a:ext uri="{28A0092B-C50C-407E-A947-70E740481C1C}">
-                <a14:useLocalDpi xmlns:a14="http://schemas.microsoft.com/office/drawing/2010/main" val="0"/>
-              </a:ext>
-            </a:extLst>
-          </a:blip>
-          <a:srcRect/>
-          <a:stretch>
-            <a:fillRect/>
-          </a:stretch>
-        </p:blipFill>
-        <p:spPr bwMode="auto">
-          <a:xfrm>
-            <a:off x="6953250" y="873751"/>
-            <a:ext cx="3486150" cy="1314450"/>
-          </a:xfrm>
-          <a:prstGeom prst="rect">
-            <a:avLst/>
-          </a:prstGeom>
-          <a:noFill/>
-          <a:extLst>
-            <a:ext uri="{909E8E84-426E-40DD-AFC4-6F175D3DCCD1}">
-              <a14:hiddenFill xmlns:a14="http://schemas.microsoft.com/office/drawing/2010/main">
-                <a:solidFill>
-                  <a:srgbClr val="FFFFFF"/>
-                </a:solidFill>
-              </a14:hiddenFill>
-            </a:ext>
-          </a:extLst>
-        </p:spPr>
-      </p:pic>
-      <p:pic>
-        <p:nvPicPr>
-          <p:cNvPr id="10" name="Picture 2" descr="Reasons to Choose PyTorch for Deep Learning | by Claire D. Costa | Towards  Data Science">
-            <a:extLst>
-              <a:ext uri="{FF2B5EF4-FFF2-40B4-BE49-F238E27FC236}">
-                <a16:creationId xmlns:a16="http://schemas.microsoft.com/office/drawing/2014/main" id="{D12D1F04-484A-4130-84BC-B345AF6FA43D}"/>
-              </a:ext>
-            </a:extLst>
-          </p:cNvPr>
-          <p:cNvPicPr>
-            <a:picLocks noChangeAspect="1" noChangeArrowheads="1"/>
-          </p:cNvPicPr>
-          <p:nvPr/>
-        </p:nvPicPr>
-        <p:blipFill>
-          <a:blip r:embed="rId5">
-            <a:extLst>
-              <a:ext uri="{28A0092B-C50C-407E-A947-70E740481C1C}">
-                <a14:useLocalDpi xmlns:a14="http://schemas.microsoft.com/office/drawing/2010/main" val="0"/>
-              </a:ext>
-            </a:extLst>
-          </a:blip>
-          <a:srcRect/>
-          <a:stretch>
-            <a:fillRect/>
-          </a:stretch>
-        </p:blipFill>
-        <p:spPr bwMode="auto">
-          <a:xfrm>
-            <a:off x="7096125" y="2386596"/>
-            <a:ext cx="3028950" cy="1514475"/>
-          </a:xfrm>
-          <a:prstGeom prst="rect">
-            <a:avLst/>
-          </a:prstGeom>
-          <a:noFill/>
-          <a:extLst>
-            <a:ext uri="{909E8E84-426E-40DD-AFC4-6F175D3DCCD1}">
-              <a14:hiddenFill xmlns:a14="http://schemas.microsoft.com/office/drawing/2010/main">
-                <a:solidFill>
-                  <a:srgbClr val="FFFFFF"/>
-                </a:solidFill>
-              </a14:hiddenFill>
-            </a:ext>
-          </a:extLst>
-        </p:spPr>
-      </p:pic>
-      <p:sp>
-        <p:nvSpPr>
-          <p:cNvPr id="11" name="Rectangle 10">
-            <a:extLst>
-              <a:ext uri="{FF2B5EF4-FFF2-40B4-BE49-F238E27FC236}">
-                <a16:creationId xmlns:a16="http://schemas.microsoft.com/office/drawing/2014/main" id="{3652F33D-7935-4615-B916-14D56905DC5C}"/>
-              </a:ext>
-            </a:extLst>
-          </p:cNvPr>
-          <p:cNvSpPr/>
-          <p:nvPr/>
-        </p:nvSpPr>
-        <p:spPr>
-          <a:xfrm>
-            <a:off x="6786694" y="713064"/>
-            <a:ext cx="3814631" cy="2961314"/>
+            <a:off x="494950" y="1619075"/>
+            <a:ext cx="6493080" cy="3456264"/>
           </a:xfrm>
           <a:prstGeom prst="rect">
             <a:avLst/>
@@ -5704,7 +7680,7 @@
           <a:noFill/>
           <a:ln w="38100">
             <a:solidFill>
-              <a:srgbClr val="FF0000"/>
+              <a:schemeClr val="tx1"/>
             </a:solidFill>
           </a:ln>
         </p:spPr>
@@ -5733,181 +7709,12 @@
           </a:p>
         </p:txBody>
       </p:sp>
-    </p:spTree>
-    <p:extLst>
-      <p:ext uri="{BB962C8B-B14F-4D97-AF65-F5344CB8AC3E}">
-        <p14:creationId xmlns:p14="http://schemas.microsoft.com/office/powerpoint/2010/main" val="439255739"/>
-      </p:ext>
-    </p:extLst>
-  </p:cSld>
-  <p:clrMapOvr>
-    <a:masterClrMapping/>
-  </p:clrMapOvr>
-</p:sld>
-</file>
-
-<file path=ppt/slides/slide7.xml><?xml version="1.0" encoding="utf-8"?>
-<p:sld xmlns:a="http://schemas.openxmlformats.org/drawingml/2006/main" xmlns:r="http://schemas.openxmlformats.org/officeDocument/2006/relationships" xmlns:p="http://schemas.openxmlformats.org/presentationml/2006/main">
-  <p:cSld>
-    <p:spTree>
-      <p:nvGrpSpPr>
-        <p:cNvPr id="1" name=""/>
-        <p:cNvGrpSpPr/>
-        <p:nvPr/>
-      </p:nvGrpSpPr>
-      <p:grpSpPr>
-        <a:xfrm>
-          <a:off x="0" y="0"/>
-          <a:ext cx="0" cy="0"/>
-          <a:chOff x="0" y="0"/>
-          <a:chExt cx="0" cy="0"/>
-        </a:xfrm>
-      </p:grpSpPr>
-      <p:sp>
-        <p:nvSpPr>
-          <p:cNvPr id="2" name="Title 1">
-            <a:extLst>
-              <a:ext uri="{FF2B5EF4-FFF2-40B4-BE49-F238E27FC236}">
-                <a16:creationId xmlns:a16="http://schemas.microsoft.com/office/drawing/2014/main" id="{3B196954-D4EE-488B-B250-B4A352C7A845}"/>
-              </a:ext>
-            </a:extLst>
-          </p:cNvPr>
-          <p:cNvSpPr>
-            <a:spLocks noGrp="1"/>
-          </p:cNvSpPr>
-          <p:nvPr>
-            <p:ph type="title"/>
-          </p:nvPr>
-        </p:nvSpPr>
-        <p:spPr/>
-        <p:txBody>
-          <a:bodyPr/>
-          <a:lstStyle/>
-          <a:p>
-            <a:r>
-              <a:rPr lang="da-DK" dirty="0"/>
-              <a:t>How to make a modern deep learning framework</a:t>
-            </a:r>
-          </a:p>
-        </p:txBody>
-      </p:sp>
-      <p:sp>
-        <p:nvSpPr>
-          <p:cNvPr id="3" name="Content Placeholder 2">
-            <a:extLst>
-              <a:ext uri="{FF2B5EF4-FFF2-40B4-BE49-F238E27FC236}">
-                <a16:creationId xmlns:a16="http://schemas.microsoft.com/office/drawing/2014/main" id="{67BAF2C6-3100-47AD-AFBC-101D716A7503}"/>
-              </a:ext>
-            </a:extLst>
-          </p:cNvPr>
-          <p:cNvSpPr>
-            <a:spLocks noGrp="1"/>
-          </p:cNvSpPr>
-          <p:nvPr>
-            <p:ph idx="1"/>
-          </p:nvPr>
-        </p:nvSpPr>
-        <p:spPr/>
-        <p:txBody>
-          <a:bodyPr/>
-          <a:lstStyle/>
-          <a:p>
-            <a:endParaRPr lang="da-DK"/>
-          </a:p>
-        </p:txBody>
-      </p:sp>
-      <p:sp>
-        <p:nvSpPr>
-          <p:cNvPr id="4" name="Date Placeholder 3">
-            <a:extLst>
-              <a:ext uri="{FF2B5EF4-FFF2-40B4-BE49-F238E27FC236}">
-                <a16:creationId xmlns:a16="http://schemas.microsoft.com/office/drawing/2014/main" id="{3C082D71-621F-4D79-8A34-878DFF70AC94}"/>
-              </a:ext>
-            </a:extLst>
-          </p:cNvPr>
-          <p:cNvSpPr>
-            <a:spLocks noGrp="1"/>
-          </p:cNvSpPr>
-          <p:nvPr>
-            <p:ph type="dt" sz="half" idx="10"/>
-          </p:nvPr>
-        </p:nvSpPr>
-        <p:spPr/>
-        <p:txBody>
-          <a:bodyPr/>
-          <a:lstStyle/>
-          <a:p>
-            <a:fld id="{019E29B9-5584-4737-9C98-1B926378C778}" type="datetime1">
-              <a:rPr lang="en-US" smtClean="0"/>
-              <a:t>4/7/2021</a:t>
-            </a:fld>
-            <a:endParaRPr lang="da-DK"/>
-          </a:p>
-        </p:txBody>
-      </p:sp>
-      <p:sp>
-        <p:nvSpPr>
-          <p:cNvPr id="5" name="Footer Placeholder 4">
-            <a:extLst>
-              <a:ext uri="{FF2B5EF4-FFF2-40B4-BE49-F238E27FC236}">
-                <a16:creationId xmlns:a16="http://schemas.microsoft.com/office/drawing/2014/main" id="{EC3AB0CB-DB29-408A-A980-2902500B31EF}"/>
-              </a:ext>
-            </a:extLst>
-          </p:cNvPr>
-          <p:cNvSpPr>
-            <a:spLocks noGrp="1"/>
-          </p:cNvSpPr>
-          <p:nvPr>
-            <p:ph type="ftr" sz="quarter" idx="11"/>
-          </p:nvPr>
-        </p:nvSpPr>
-        <p:spPr/>
-        <p:txBody>
-          <a:bodyPr/>
-          <a:lstStyle/>
-          <a:p>
-            <a:r>
-              <a:rPr lang="da-DK"/>
-              <a:t>Nicki Skafte Detlefsen</a:t>
-            </a:r>
-          </a:p>
-        </p:txBody>
-      </p:sp>
-      <p:sp>
-        <p:nvSpPr>
-          <p:cNvPr id="6" name="Slide Number Placeholder 5">
-            <a:extLst>
-              <a:ext uri="{FF2B5EF4-FFF2-40B4-BE49-F238E27FC236}">
-                <a16:creationId xmlns:a16="http://schemas.microsoft.com/office/drawing/2014/main" id="{05290D20-0CAA-4245-879F-66A38F0100B4}"/>
-              </a:ext>
-            </a:extLst>
-          </p:cNvPr>
-          <p:cNvSpPr>
-            <a:spLocks noGrp="1"/>
-          </p:cNvSpPr>
-          <p:nvPr>
-            <p:ph type="sldNum" sz="quarter" idx="12"/>
-          </p:nvPr>
-        </p:nvSpPr>
-        <p:spPr/>
-        <p:txBody>
-          <a:bodyPr/>
-          <a:lstStyle/>
-          <a:p>
-            <a:fld id="{F6FEDE24-D50C-481B-A7B4-8AF13899101A}" type="slidenum">
-              <a:rPr lang="da-DK" smtClean="0"/>
-              <a:t>7</a:t>
-            </a:fld>
-            <a:endParaRPr lang="da-DK"/>
-          </a:p>
-        </p:txBody>
-      </p:sp>
-      <p:sp>
-        <p:nvSpPr>
-          <p:cNvPr id="8" name="Oval 7">
-            <a:extLst>
-              <a:ext uri="{FF2B5EF4-FFF2-40B4-BE49-F238E27FC236}">
-                <a16:creationId xmlns:a16="http://schemas.microsoft.com/office/drawing/2014/main" id="{9079CECD-657D-4CD2-A48D-792D57A2AA81}"/>
+      <p:sp>
+        <p:nvSpPr>
+          <p:cNvPr id="17" name="Rectangle 16">
+            <a:extLst>
+              <a:ext uri="{FF2B5EF4-FFF2-40B4-BE49-F238E27FC236}">
+                <a16:creationId xmlns:a16="http://schemas.microsoft.com/office/drawing/2014/main" id="{0D8859F1-7253-4F52-AF22-8805521FD547}"/>
               </a:ext>
             </a:extLst>
           </p:cNvPr>
@@ -5916,12 +7723,18 @@
         </p:nvSpPr>
         <p:spPr>
           <a:xfrm>
-            <a:off x="2757733" y="2759807"/>
-            <a:ext cx="1800000" cy="1800000"/>
+            <a:off x="7050662" y="1619075"/>
+            <a:ext cx="4114800" cy="3456264"/>
           </a:xfrm>
-          <a:prstGeom prst="ellipse">
+          <a:prstGeom prst="rect">
             <a:avLst/>
           </a:prstGeom>
+          <a:noFill/>
+          <a:ln w="38100">
+            <a:solidFill>
+              <a:schemeClr val="tx1"/>
+            </a:solidFill>
+          </a:ln>
         </p:spPr>
         <p:style>
           <a:lnRef idx="2">
@@ -5944,127 +7757,26 @@
           <a:lstStyle/>
           <a:p>
             <a:pPr algn="ctr"/>
-            <a:r>
-              <a:rPr lang="da-DK" dirty="0"/>
-              <a:t>Tensors</a:t>
-            </a:r>
-          </a:p>
-        </p:txBody>
-      </p:sp>
-      <p:sp>
-        <p:nvSpPr>
-          <p:cNvPr id="9" name="Oval 8">
-            <a:extLst>
-              <a:ext uri="{FF2B5EF4-FFF2-40B4-BE49-F238E27FC236}">
-                <a16:creationId xmlns:a16="http://schemas.microsoft.com/office/drawing/2014/main" id="{AB420AE8-4276-4DF0-AA32-8B6D46408DEA}"/>
-              </a:ext>
-            </a:extLst>
-          </p:cNvPr>
-          <p:cNvSpPr/>
+            <a:endParaRPr lang="da-DK"/>
+          </a:p>
+        </p:txBody>
+      </p:sp>
+      <p:sp>
+        <p:nvSpPr>
+          <p:cNvPr id="18" name="TextBox 17">
+            <a:extLst>
+              <a:ext uri="{FF2B5EF4-FFF2-40B4-BE49-F238E27FC236}">
+                <a16:creationId xmlns:a16="http://schemas.microsoft.com/office/drawing/2014/main" id="{FE74C8DD-F46A-43EE-B778-810937CA8694}"/>
+              </a:ext>
+            </a:extLst>
+          </p:cNvPr>
+          <p:cNvSpPr txBox="1"/>
           <p:nvPr/>
         </p:nvSpPr>
         <p:spPr>
           <a:xfrm>
-            <a:off x="4970197" y="2759807"/>
-            <a:ext cx="1800000" cy="1800000"/>
-          </a:xfrm>
-          <a:prstGeom prst="ellipse">
-            <a:avLst/>
-          </a:prstGeom>
-        </p:spPr>
-        <p:style>
-          <a:lnRef idx="2">
-            <a:schemeClr val="accent1">
-              <a:shade val="50000"/>
-            </a:schemeClr>
-          </a:lnRef>
-          <a:fillRef idx="1">
-            <a:schemeClr val="accent1"/>
-          </a:fillRef>
-          <a:effectRef idx="0">
-            <a:schemeClr val="accent1"/>
-          </a:effectRef>
-          <a:fontRef idx="minor">
-            <a:schemeClr val="lt1"/>
-          </a:fontRef>
-        </p:style>
-        <p:txBody>
-          <a:bodyPr rtlCol="0" anchor="ctr"/>
-          <a:lstStyle/>
-          <a:p>
-            <a:pPr algn="ctr"/>
-            <a:r>
-              <a:rPr lang="da-DK" dirty="0"/>
-              <a:t>Hardware acceleration</a:t>
-            </a:r>
-          </a:p>
-        </p:txBody>
-      </p:sp>
-      <p:sp>
-        <p:nvSpPr>
-          <p:cNvPr id="10" name="Oval 9">
-            <a:extLst>
-              <a:ext uri="{FF2B5EF4-FFF2-40B4-BE49-F238E27FC236}">
-                <a16:creationId xmlns:a16="http://schemas.microsoft.com/office/drawing/2014/main" id="{928F16EF-A68D-4ECA-94B2-28ACA2C52F94}"/>
-              </a:ext>
-            </a:extLst>
-          </p:cNvPr>
-          <p:cNvSpPr/>
-          <p:nvPr/>
-        </p:nvSpPr>
-        <p:spPr>
-          <a:xfrm>
-            <a:off x="7253400" y="2759807"/>
-            <a:ext cx="1800000" cy="1800000"/>
-          </a:xfrm>
-          <a:prstGeom prst="ellipse">
-            <a:avLst/>
-          </a:prstGeom>
-        </p:spPr>
-        <p:style>
-          <a:lnRef idx="2">
-            <a:schemeClr val="accent1">
-              <a:shade val="50000"/>
-            </a:schemeClr>
-          </a:lnRef>
-          <a:fillRef idx="1">
-            <a:schemeClr val="accent1"/>
-          </a:fillRef>
-          <a:effectRef idx="0">
-            <a:schemeClr val="accent1"/>
-          </a:effectRef>
-          <a:fontRef idx="minor">
-            <a:schemeClr val="lt1"/>
-          </a:fontRef>
-        </p:style>
-        <p:txBody>
-          <a:bodyPr rtlCol="0" anchor="ctr"/>
-          <a:lstStyle/>
-          <a:p>
-            <a:pPr algn="ctr"/>
-            <a:r>
-              <a:rPr lang="da-DK" dirty="0"/>
-              <a:t>Automatic differentation</a:t>
-            </a:r>
-          </a:p>
-        </p:txBody>
-      </p:sp>
-      <p:sp>
-        <p:nvSpPr>
-          <p:cNvPr id="11" name="TextBox 10">
-            <a:extLst>
-              <a:ext uri="{FF2B5EF4-FFF2-40B4-BE49-F238E27FC236}">
-                <a16:creationId xmlns:a16="http://schemas.microsoft.com/office/drawing/2014/main" id="{D5F6B155-ED5D-4394-A1EF-68CC8DF974B4}"/>
-              </a:ext>
-            </a:extLst>
-          </p:cNvPr>
-          <p:cNvSpPr txBox="1"/>
-          <p:nvPr/>
-        </p:nvSpPr>
-        <p:spPr>
-          <a:xfrm>
-            <a:off x="3034713" y="4685056"/>
-            <a:ext cx="1426128" cy="923330"/>
+            <a:off x="2704889" y="5110867"/>
+            <a:ext cx="3196205" cy="369332"/>
           </a:xfrm>
           <a:prstGeom prst="rect">
             <a:avLst/>
@@ -6079,17 +7791,17 @@
           <a:p>
             <a:r>
               <a:rPr lang="da-DK" dirty="0"/>
-              <a:t>Abstraction to higher order data</a:t>
-            </a:r>
-          </a:p>
-        </p:txBody>
-      </p:sp>
-      <p:sp>
-        <p:nvSpPr>
-          <p:cNvPr id="12" name="TextBox 11">
-            <a:extLst>
-              <a:ext uri="{FF2B5EF4-FFF2-40B4-BE49-F238E27FC236}">
-                <a16:creationId xmlns:a16="http://schemas.microsoft.com/office/drawing/2014/main" id="{E8EAEA57-6185-4970-A384-2C70F55586B1}"/>
+              <a:t>Commonly agreed on </a:t>
+            </a:r>
+          </a:p>
+        </p:txBody>
+      </p:sp>
+      <p:sp>
+        <p:nvSpPr>
+          <p:cNvPr id="19" name="TextBox 18">
+            <a:extLst>
+              <a:ext uri="{FF2B5EF4-FFF2-40B4-BE49-F238E27FC236}">
+                <a16:creationId xmlns:a16="http://schemas.microsoft.com/office/drawing/2014/main" id="{15FC470D-3777-4A39-9117-87B31791ECA4}"/>
               </a:ext>
             </a:extLst>
           </p:cNvPr>
@@ -6098,8 +7810,8 @@
         </p:nvSpPr>
         <p:spPr>
           <a:xfrm>
-            <a:off x="5344069" y="4685056"/>
-            <a:ext cx="1426128" cy="923330"/>
+            <a:off x="8216318" y="5110867"/>
+            <a:ext cx="3196205" cy="369332"/>
           </a:xfrm>
           <a:prstGeom prst="rect">
             <a:avLst/>
@@ -6114,42 +7826,7 @@
           <a:p>
             <a:r>
               <a:rPr lang="da-DK" dirty="0"/>
-              <a:t>Faster computations</a:t>
-            </a:r>
-          </a:p>
-        </p:txBody>
-      </p:sp>
-      <p:sp>
-        <p:nvSpPr>
-          <p:cNvPr id="13" name="TextBox 12">
-            <a:extLst>
-              <a:ext uri="{FF2B5EF4-FFF2-40B4-BE49-F238E27FC236}">
-                <a16:creationId xmlns:a16="http://schemas.microsoft.com/office/drawing/2014/main" id="{30832BCE-C61E-4C30-A8C3-50CCB30FB5D4}"/>
-              </a:ext>
-            </a:extLst>
-          </p:cNvPr>
-          <p:cNvSpPr txBox="1"/>
-          <p:nvPr/>
-        </p:nvSpPr>
-        <p:spPr>
-          <a:xfrm>
-            <a:off x="7627272" y="4685056"/>
-            <a:ext cx="1426128" cy="369332"/>
-          </a:xfrm>
-          <a:prstGeom prst="rect">
-            <a:avLst/>
-          </a:prstGeom>
-          <a:noFill/>
-        </p:spPr>
-        <p:txBody>
-          <a:bodyPr wrap="square" rtlCol="0">
-            <a:spAutoFit/>
-          </a:bodyPr>
-          <a:lstStyle/>
-          <a:p>
-            <a:r>
-              <a:rPr lang="da-DK" dirty="0"/>
-              <a:t>Ease of use</a:t>
+              <a:t>Not talked about</a:t>
             </a:r>
           </a:p>
         </p:txBody>
@@ -6157,206 +7834,7 @@
     </p:spTree>
     <p:extLst>
       <p:ext uri="{BB962C8B-B14F-4D97-AF65-F5344CB8AC3E}">
-        <p14:creationId xmlns:p14="http://schemas.microsoft.com/office/powerpoint/2010/main" val="411016925"/>
-      </p:ext>
-    </p:extLst>
-  </p:cSld>
-  <p:clrMapOvr>
-    <a:masterClrMapping/>
-  </p:clrMapOvr>
-</p:sld>
-</file>
-
-<file path=ppt/slides/slide8.xml><?xml version="1.0" encoding="utf-8"?>
-<p:sld xmlns:a="http://schemas.openxmlformats.org/drawingml/2006/main" xmlns:r="http://schemas.openxmlformats.org/officeDocument/2006/relationships" xmlns:p="http://schemas.openxmlformats.org/presentationml/2006/main">
-  <p:cSld>
-    <p:spTree>
-      <p:nvGrpSpPr>
-        <p:cNvPr id="1" name=""/>
-        <p:cNvGrpSpPr/>
-        <p:nvPr/>
-      </p:nvGrpSpPr>
-      <p:grpSpPr>
-        <a:xfrm>
-          <a:off x="0" y="0"/>
-          <a:ext cx="0" cy="0"/>
-          <a:chOff x="0" y="0"/>
-          <a:chExt cx="0" cy="0"/>
-        </a:xfrm>
-      </p:grpSpPr>
-      <p:sp>
-        <p:nvSpPr>
-          <p:cNvPr id="2" name="Title 1">
-            <a:extLst>
-              <a:ext uri="{FF2B5EF4-FFF2-40B4-BE49-F238E27FC236}">
-                <a16:creationId xmlns:a16="http://schemas.microsoft.com/office/drawing/2014/main" id="{E6807CFB-04BE-43AB-B950-303DCBE4B926}"/>
-              </a:ext>
-            </a:extLst>
-          </p:cNvPr>
-          <p:cNvSpPr>
-            <a:spLocks noGrp="1"/>
-          </p:cNvSpPr>
-          <p:nvPr>
-            <p:ph type="title"/>
-          </p:nvPr>
-        </p:nvSpPr>
-        <p:spPr/>
-        <p:txBody>
-          <a:bodyPr/>
-          <a:lstStyle/>
-          <a:p>
-            <a:r>
-              <a:rPr lang="da-DK" dirty="0"/>
-              <a:t>Meme of the day</a:t>
-            </a:r>
-          </a:p>
-        </p:txBody>
-      </p:sp>
-      <p:sp>
-        <p:nvSpPr>
-          <p:cNvPr id="3" name="Content Placeholder 2">
-            <a:extLst>
-              <a:ext uri="{FF2B5EF4-FFF2-40B4-BE49-F238E27FC236}">
-                <a16:creationId xmlns:a16="http://schemas.microsoft.com/office/drawing/2014/main" id="{5513CE4A-4E41-420D-87F1-5BB683E7647A}"/>
-              </a:ext>
-            </a:extLst>
-          </p:cNvPr>
-          <p:cNvSpPr>
-            <a:spLocks noGrp="1"/>
-          </p:cNvSpPr>
-          <p:nvPr>
-            <p:ph idx="1"/>
-          </p:nvPr>
-        </p:nvSpPr>
-        <p:spPr/>
-        <p:txBody>
-          <a:bodyPr/>
-          <a:lstStyle/>
-          <a:p>
-            <a:endParaRPr lang="da-DK"/>
-          </a:p>
-        </p:txBody>
-      </p:sp>
-      <p:sp>
-        <p:nvSpPr>
-          <p:cNvPr id="4" name="Date Placeholder 3">
-            <a:extLst>
-              <a:ext uri="{FF2B5EF4-FFF2-40B4-BE49-F238E27FC236}">
-                <a16:creationId xmlns:a16="http://schemas.microsoft.com/office/drawing/2014/main" id="{06BBBB3D-7152-4915-9678-39322E5CE246}"/>
-              </a:ext>
-            </a:extLst>
-          </p:cNvPr>
-          <p:cNvSpPr>
-            <a:spLocks noGrp="1"/>
-          </p:cNvSpPr>
-          <p:nvPr>
-            <p:ph type="dt" sz="half" idx="10"/>
-          </p:nvPr>
-        </p:nvSpPr>
-        <p:spPr/>
-        <p:txBody>
-          <a:bodyPr/>
-          <a:lstStyle/>
-          <a:p>
-            <a:fld id="{019E29B9-5584-4737-9C98-1B926378C778}" type="datetime1">
-              <a:rPr lang="en-US" smtClean="0"/>
-              <a:t>4/7/2021</a:t>
-            </a:fld>
-            <a:endParaRPr lang="da-DK"/>
-          </a:p>
-        </p:txBody>
-      </p:sp>
-      <p:sp>
-        <p:nvSpPr>
-          <p:cNvPr id="5" name="Footer Placeholder 4">
-            <a:extLst>
-              <a:ext uri="{FF2B5EF4-FFF2-40B4-BE49-F238E27FC236}">
-                <a16:creationId xmlns:a16="http://schemas.microsoft.com/office/drawing/2014/main" id="{2191107E-5C57-432C-94A1-7E7659056F7D}"/>
-              </a:ext>
-            </a:extLst>
-          </p:cNvPr>
-          <p:cNvSpPr>
-            <a:spLocks noGrp="1"/>
-          </p:cNvSpPr>
-          <p:nvPr>
-            <p:ph type="ftr" sz="quarter" idx="11"/>
-          </p:nvPr>
-        </p:nvSpPr>
-        <p:spPr/>
-        <p:txBody>
-          <a:bodyPr/>
-          <a:lstStyle/>
-          <a:p>
-            <a:r>
-              <a:rPr lang="da-DK"/>
-              <a:t>Nicki Skafte Detlefsen</a:t>
-            </a:r>
-          </a:p>
-        </p:txBody>
-      </p:sp>
-      <p:sp>
-        <p:nvSpPr>
-          <p:cNvPr id="6" name="Slide Number Placeholder 5">
-            <a:extLst>
-              <a:ext uri="{FF2B5EF4-FFF2-40B4-BE49-F238E27FC236}">
-                <a16:creationId xmlns:a16="http://schemas.microsoft.com/office/drawing/2014/main" id="{566C5839-2F07-4488-9415-1B25BC34E3CE}"/>
-              </a:ext>
-            </a:extLst>
-          </p:cNvPr>
-          <p:cNvSpPr>
-            <a:spLocks noGrp="1"/>
-          </p:cNvSpPr>
-          <p:nvPr>
-            <p:ph type="sldNum" sz="quarter" idx="12"/>
-          </p:nvPr>
-        </p:nvSpPr>
-        <p:spPr/>
-        <p:txBody>
-          <a:bodyPr/>
-          <a:lstStyle/>
-          <a:p>
-            <a:fld id="{F6FEDE24-D50C-481B-A7B4-8AF13899101A}" type="slidenum">
-              <a:rPr lang="da-DK" smtClean="0"/>
-              <a:t>8</a:t>
-            </a:fld>
-            <a:endParaRPr lang="da-DK"/>
-          </a:p>
-        </p:txBody>
-      </p:sp>
-      <p:pic>
-        <p:nvPicPr>
-          <p:cNvPr id="8" name="Picture 7">
-            <a:extLst>
-              <a:ext uri="{FF2B5EF4-FFF2-40B4-BE49-F238E27FC236}">
-                <a16:creationId xmlns:a16="http://schemas.microsoft.com/office/drawing/2014/main" id="{85475AC4-C8CF-4DF3-850E-C896C94A1300}"/>
-              </a:ext>
-            </a:extLst>
-          </p:cNvPr>
-          <p:cNvPicPr>
-            <a:picLocks noChangeAspect="1"/>
-          </p:cNvPicPr>
-          <p:nvPr/>
-        </p:nvPicPr>
-        <p:blipFill>
-          <a:blip r:embed="rId2"/>
-          <a:stretch>
-            <a:fillRect/>
-          </a:stretch>
-        </p:blipFill>
-        <p:spPr>
-          <a:xfrm>
-            <a:off x="2324100" y="1240922"/>
-            <a:ext cx="7658100" cy="5038725"/>
-          </a:xfrm>
-          <a:prstGeom prst="rect">
-            <a:avLst/>
-          </a:prstGeom>
-        </p:spPr>
-      </p:pic>
-    </p:spTree>
-    <p:extLst>
-      <p:ext uri="{BB962C8B-B14F-4D97-AF65-F5344CB8AC3E}">
-        <p14:creationId xmlns:p14="http://schemas.microsoft.com/office/powerpoint/2010/main" val="1561460348"/>
+        <p14:creationId xmlns:p14="http://schemas.microsoft.com/office/powerpoint/2010/main" val="4129615894"/>
       </p:ext>
     </p:extLst>
   </p:cSld>
